--- a/02-GrowthQDs/Pictures/MapEfield.pptx
+++ b/02-GrowthQDs/Pictures/MapEfield.pptx
@@ -288,7 +288,7 @@
           <a:p>
             <a:fld id="{3188249C-4BA3-4338-8D91-035235D4C769}" type="datetimeFigureOut">
               <a:rPr lang="fr-FR" smtClean="0"/>
-              <a:t>28/08/2017</a:t>
+              <a:t>01/09/2017</a:t>
             </a:fld>
             <a:endParaRPr lang="fr-FR"/>
           </a:p>
@@ -458,7 +458,7 @@
           <a:p>
             <a:fld id="{3188249C-4BA3-4338-8D91-035235D4C769}" type="datetimeFigureOut">
               <a:rPr lang="fr-FR" smtClean="0"/>
-              <a:t>28/08/2017</a:t>
+              <a:t>01/09/2017</a:t>
             </a:fld>
             <a:endParaRPr lang="fr-FR"/>
           </a:p>
@@ -638,7 +638,7 @@
           <a:p>
             <a:fld id="{3188249C-4BA3-4338-8D91-035235D4C769}" type="datetimeFigureOut">
               <a:rPr lang="fr-FR" smtClean="0"/>
-              <a:t>28/08/2017</a:t>
+              <a:t>01/09/2017</a:t>
             </a:fld>
             <a:endParaRPr lang="fr-FR"/>
           </a:p>
@@ -808,7 +808,7 @@
           <a:p>
             <a:fld id="{3188249C-4BA3-4338-8D91-035235D4C769}" type="datetimeFigureOut">
               <a:rPr lang="fr-FR" smtClean="0"/>
-              <a:t>28/08/2017</a:t>
+              <a:t>01/09/2017</a:t>
             </a:fld>
             <a:endParaRPr lang="fr-FR"/>
           </a:p>
@@ -1054,7 +1054,7 @@
           <a:p>
             <a:fld id="{3188249C-4BA3-4338-8D91-035235D4C769}" type="datetimeFigureOut">
               <a:rPr lang="fr-FR" smtClean="0"/>
-              <a:t>28/08/2017</a:t>
+              <a:t>01/09/2017</a:t>
             </a:fld>
             <a:endParaRPr lang="fr-FR"/>
           </a:p>
@@ -1342,7 +1342,7 @@
           <a:p>
             <a:fld id="{3188249C-4BA3-4338-8D91-035235D4C769}" type="datetimeFigureOut">
               <a:rPr lang="fr-FR" smtClean="0"/>
-              <a:t>28/08/2017</a:t>
+              <a:t>01/09/2017</a:t>
             </a:fld>
             <a:endParaRPr lang="fr-FR"/>
           </a:p>
@@ -1764,7 +1764,7 @@
           <a:p>
             <a:fld id="{3188249C-4BA3-4338-8D91-035235D4C769}" type="datetimeFigureOut">
               <a:rPr lang="fr-FR" smtClean="0"/>
-              <a:t>28/08/2017</a:t>
+              <a:t>01/09/2017</a:t>
             </a:fld>
             <a:endParaRPr lang="fr-FR"/>
           </a:p>
@@ -1882,7 +1882,7 @@
           <a:p>
             <a:fld id="{3188249C-4BA3-4338-8D91-035235D4C769}" type="datetimeFigureOut">
               <a:rPr lang="fr-FR" smtClean="0"/>
-              <a:t>28/08/2017</a:t>
+              <a:t>01/09/2017</a:t>
             </a:fld>
             <a:endParaRPr lang="fr-FR"/>
           </a:p>
@@ -1977,7 +1977,7 @@
           <a:p>
             <a:fld id="{3188249C-4BA3-4338-8D91-035235D4C769}" type="datetimeFigureOut">
               <a:rPr lang="fr-FR" smtClean="0"/>
-              <a:t>28/08/2017</a:t>
+              <a:t>01/09/2017</a:t>
             </a:fld>
             <a:endParaRPr lang="fr-FR"/>
           </a:p>
@@ -2254,7 +2254,7 @@
           <a:p>
             <a:fld id="{3188249C-4BA3-4338-8D91-035235D4C769}" type="datetimeFigureOut">
               <a:rPr lang="fr-FR" smtClean="0"/>
-              <a:t>28/08/2017</a:t>
+              <a:t>01/09/2017</a:t>
             </a:fld>
             <a:endParaRPr lang="fr-FR"/>
           </a:p>
@@ -2507,7 +2507,7 @@
           <a:p>
             <a:fld id="{3188249C-4BA3-4338-8D91-035235D4C769}" type="datetimeFigureOut">
               <a:rPr lang="fr-FR" smtClean="0"/>
-              <a:t>28/08/2017</a:t>
+              <a:t>01/09/2017</a:t>
             </a:fld>
             <a:endParaRPr lang="fr-FR"/>
           </a:p>
@@ -2720,7 +2720,7 @@
           <a:p>
             <a:fld id="{3188249C-4BA3-4338-8D91-035235D4C769}" type="datetimeFigureOut">
               <a:rPr lang="fr-FR" smtClean="0"/>
-              <a:t>28/08/2017</a:t>
+              <a:t>01/09/2017</a:t>
             </a:fld>
             <a:endParaRPr lang="fr-FR"/>
           </a:p>
@@ -3095,35 +3095,6 @@
           <a:chExt cx="0" cy="0"/>
         </a:xfrm>
       </p:grpSpPr>
-      <p:pic>
-        <p:nvPicPr>
-          <p:cNvPr id="46" name="Image 45"/>
-          <p:cNvPicPr>
-            <a:picLocks noChangeAspect="1"/>
-          </p:cNvPicPr>
-          <p:nvPr/>
-        </p:nvPicPr>
-        <p:blipFill rotWithShape="1">
-          <a:blip r:embed="rId3">
-            <a:extLst>
-              <a:ext uri="{28A0092B-C50C-407E-A947-70E740481C1C}">
-                <a14:useLocalDpi xmlns:a14="http://schemas.microsoft.com/office/drawing/2010/main" val="0"/>
-              </a:ext>
-            </a:extLst>
-          </a:blip>
-          <a:srcRect l="4514" t="13191" r="19930" b="35919"/>
-          <a:stretch/>
-        </p:blipFill>
-        <p:spPr>
-          <a:xfrm>
-            <a:off x="35496" y="44624"/>
-            <a:ext cx="6908800" cy="2616200"/>
-          </a:xfrm>
-          <a:prstGeom prst="rect">
-            <a:avLst/>
-          </a:prstGeom>
-        </p:spPr>
-      </p:pic>
       <p:graphicFrame>
         <p:nvGraphicFramePr>
           <p:cNvPr id="47" name="Objet 46"/>
@@ -3133,25 +3104,25 @@
           <p:nvPr>
             <p:extLst>
               <p:ext uri="{D42A27DB-BD31-4B8C-83A1-F6EECF244321}">
-                <p14:modId xmlns:p14="http://schemas.microsoft.com/office/powerpoint/2010/main" val="2708655480"/>
+                <p14:modId xmlns:p14="http://schemas.microsoft.com/office/powerpoint/2010/main" val="494615174"/>
               </p:ext>
             </p:extLst>
           </p:nvPr>
         </p:nvGraphicFramePr>
         <p:xfrm>
-          <a:off x="6861969" y="1709118"/>
+          <a:off x="6950645" y="365001"/>
           <a:ext cx="2301875" cy="1903412"/>
         </p:xfrm>
         <a:graphic>
           <a:graphicData uri="http://schemas.openxmlformats.org/presentationml/2006/ole">
             <mc:AlternateContent xmlns:mc="http://schemas.openxmlformats.org/markup-compatibility/2006">
               <mc:Choice xmlns:v="urn:schemas-microsoft-com:vml" Requires="v">
-                <p:oleObj spid="_x0000_s1038" name="Drawing" r:id="rId4" imgW="1757160" imgH="1453320" progId="Canvas.Drawing.6">
+                <p:oleObj spid="_x0000_s1041" name="Drawing" r:id="rId3" imgW="1757160" imgH="1453320" progId="Canvas.Drawing.6">
                   <p:embed/>
                 </p:oleObj>
               </mc:Choice>
               <mc:Fallback>
-                <p:oleObj name="Drawing" r:id="rId4" imgW="1757160" imgH="1453320" progId="Canvas.Drawing.6">
+                <p:oleObj name="Drawing" r:id="rId3" imgW="1757160" imgH="1453320" progId="Canvas.Drawing.6">
                   <p:embed/>
                   <p:pic>
                     <p:nvPicPr>
@@ -3162,7 +3133,7 @@
                       <p:nvPr/>
                     </p:nvPicPr>
                     <p:blipFill>
-                      <a:blip r:embed="rId5">
+                      <a:blip r:embed="rId4">
                         <a:extLst>
                           <a:ext uri="{28A0092B-C50C-407E-A947-70E740481C1C}">
                             <a14:useLocalDpi xmlns:a14="http://schemas.microsoft.com/office/drawing/2010/main" val="0"/>
@@ -3176,7 +3147,7 @@
                     </p:blipFill>
                     <p:spPr bwMode="auto">
                       <a:xfrm>
-                        <a:off x="6861969" y="1709118"/>
+                        <a:off x="6950645" y="365001"/>
                         <a:ext cx="2301875" cy="1903412"/>
                       </a:xfrm>
                       <a:prstGeom prst="rect">
@@ -3213,6 +3184,35 @@
           </a:graphicData>
         </a:graphic>
       </p:graphicFrame>
+      <p:pic>
+        <p:nvPicPr>
+          <p:cNvPr id="46" name="Image 45"/>
+          <p:cNvPicPr>
+            <a:picLocks noChangeAspect="1"/>
+          </p:cNvPicPr>
+          <p:nvPr/>
+        </p:nvPicPr>
+        <p:blipFill rotWithShape="1">
+          <a:blip r:embed="rId5">
+            <a:extLst>
+              <a:ext uri="{28A0092B-C50C-407E-A947-70E740481C1C}">
+                <a14:useLocalDpi xmlns:a14="http://schemas.microsoft.com/office/drawing/2010/main" val="0"/>
+              </a:ext>
+            </a:extLst>
+          </a:blip>
+          <a:srcRect l="4514" t="13191" r="19930" b="35919"/>
+          <a:stretch/>
+        </p:blipFill>
+        <p:spPr>
+          <a:xfrm>
+            <a:off x="-36512" y="44624"/>
+            <a:ext cx="6908800" cy="2616200"/>
+          </a:xfrm>
+          <a:prstGeom prst="rect">
+            <a:avLst/>
+          </a:prstGeom>
+        </p:spPr>
+      </p:pic>
       <p:sp>
         <p:nvSpPr>
           <p:cNvPr id="48" name="ZoneTexte 47"/>
@@ -3257,7 +3257,7 @@
         </p:nvSpPr>
         <p:spPr>
           <a:xfrm>
-            <a:off x="6931278" y="1547500"/>
+            <a:off x="7019954" y="203383"/>
             <a:ext cx="364202" cy="369332"/>
           </a:xfrm>
           <a:prstGeom prst="rect">
@@ -3313,7 +3313,7 @@
         </p:blipFill>
         <p:spPr>
           <a:xfrm>
-            <a:off x="169200" y="2708920"/>
+            <a:off x="97192" y="2708920"/>
             <a:ext cx="6810376" cy="2257425"/>
           </a:xfrm>
           <a:prstGeom prst="rect">
@@ -3349,6 +3349,1067 @@
                 <a:cs typeface="Times New Roman" pitchFamily="18" charset="0"/>
               </a:rPr>
               <a:t>b)</a:t>
+            </a:r>
+            <a:endParaRPr lang="fr-FR" dirty="0">
+              <a:latin typeface="Times New Roman" pitchFamily="18" charset="0"/>
+              <a:cs typeface="Times New Roman" pitchFamily="18" charset="0"/>
+            </a:endParaRPr>
+          </a:p>
+        </p:txBody>
+      </p:sp>
+      <p:grpSp>
+        <p:nvGrpSpPr>
+          <p:cNvPr id="8" name="Groupe 7"/>
+          <p:cNvGrpSpPr>
+            <a:grpSpLocks noChangeAspect="1"/>
+          </p:cNvGrpSpPr>
+          <p:nvPr/>
+        </p:nvGrpSpPr>
+        <p:grpSpPr>
+          <a:xfrm>
+            <a:off x="6732240" y="3252212"/>
+            <a:ext cx="2373801" cy="1104433"/>
+            <a:chOff x="4660717" y="4709567"/>
+            <a:chExt cx="4281803" cy="2031801"/>
+          </a:xfrm>
+        </p:grpSpPr>
+        <p:sp>
+          <p:nvSpPr>
+            <p:cNvPr id="9" name="Rectangle 8"/>
+            <p:cNvSpPr/>
+            <p:nvPr/>
+          </p:nvSpPr>
+          <p:spPr>
+            <a:xfrm>
+              <a:off x="5846176" y="5877272"/>
+              <a:ext cx="2232248" cy="441920"/>
+            </a:xfrm>
+            <a:prstGeom prst="rect">
+              <a:avLst/>
+            </a:prstGeom>
+            <a:solidFill>
+              <a:srgbClr val="0066CC"/>
+            </a:solidFill>
+            <a:ln>
+              <a:noFill/>
+            </a:ln>
+          </p:spPr>
+          <p:style>
+            <a:lnRef idx="2">
+              <a:schemeClr val="accent1">
+                <a:shade val="50000"/>
+              </a:schemeClr>
+            </a:lnRef>
+            <a:fillRef idx="1">
+              <a:schemeClr val="accent1"/>
+            </a:fillRef>
+            <a:effectRef idx="0">
+              <a:schemeClr val="accent1"/>
+            </a:effectRef>
+            <a:fontRef idx="minor">
+              <a:schemeClr val="lt1"/>
+            </a:fontRef>
+          </p:style>
+          <p:txBody>
+            <a:bodyPr rtlCol="0" anchor="ctr"/>
+            <a:lstStyle/>
+            <a:p>
+              <a:pPr algn="ctr"/>
+              <a:endParaRPr lang="en-US"/>
+            </a:p>
+          </p:txBody>
+        </p:sp>
+        <p:sp>
+          <p:nvSpPr>
+            <p:cNvPr id="10" name="Rectangle 9"/>
+            <p:cNvSpPr/>
+            <p:nvPr/>
+          </p:nvSpPr>
+          <p:spPr>
+            <a:xfrm>
+              <a:off x="5846176" y="5615529"/>
+              <a:ext cx="2232248" cy="45719"/>
+            </a:xfrm>
+            <a:prstGeom prst="rect">
+              <a:avLst/>
+            </a:prstGeom>
+            <a:solidFill>
+              <a:srgbClr val="FF0000"/>
+            </a:solidFill>
+            <a:ln>
+              <a:noFill/>
+            </a:ln>
+          </p:spPr>
+          <p:style>
+            <a:lnRef idx="2">
+              <a:schemeClr val="accent1">
+                <a:shade val="50000"/>
+              </a:schemeClr>
+            </a:lnRef>
+            <a:fillRef idx="1">
+              <a:schemeClr val="accent1"/>
+            </a:fillRef>
+            <a:effectRef idx="0">
+              <a:schemeClr val="accent1"/>
+            </a:effectRef>
+            <a:fontRef idx="minor">
+              <a:schemeClr val="lt1"/>
+            </a:fontRef>
+          </p:style>
+          <p:txBody>
+            <a:bodyPr rtlCol="0" anchor="ctr"/>
+            <a:lstStyle/>
+            <a:p>
+              <a:pPr algn="ctr"/>
+              <a:endParaRPr lang="en-US"/>
+            </a:p>
+          </p:txBody>
+        </p:sp>
+        <p:sp>
+          <p:nvSpPr>
+            <p:cNvPr id="11" name="Ellipse 10"/>
+            <p:cNvSpPr/>
+            <p:nvPr/>
+          </p:nvSpPr>
+          <p:spPr>
+            <a:xfrm>
+              <a:off x="5950692" y="5517232"/>
+              <a:ext cx="216024" cy="144016"/>
+            </a:xfrm>
+            <a:prstGeom prst="ellipse">
+              <a:avLst/>
+            </a:prstGeom>
+            <a:solidFill>
+              <a:srgbClr val="FF0000"/>
+            </a:solidFill>
+            <a:ln>
+              <a:noFill/>
+            </a:ln>
+          </p:spPr>
+          <p:style>
+            <a:lnRef idx="2">
+              <a:schemeClr val="accent1">
+                <a:shade val="50000"/>
+              </a:schemeClr>
+            </a:lnRef>
+            <a:fillRef idx="1">
+              <a:schemeClr val="accent1"/>
+            </a:fillRef>
+            <a:effectRef idx="0">
+              <a:schemeClr val="accent1"/>
+            </a:effectRef>
+            <a:fontRef idx="minor">
+              <a:schemeClr val="lt1"/>
+            </a:fontRef>
+          </p:style>
+          <p:txBody>
+            <a:bodyPr rtlCol="0" anchor="ctr"/>
+            <a:lstStyle/>
+            <a:p>
+              <a:pPr algn="ctr"/>
+              <a:endParaRPr lang="en-US"/>
+            </a:p>
+          </p:txBody>
+        </p:sp>
+        <p:sp>
+          <p:nvSpPr>
+            <p:cNvPr id="12" name="Ellipse 11"/>
+            <p:cNvSpPr/>
+            <p:nvPr/>
+          </p:nvSpPr>
+          <p:spPr>
+            <a:xfrm>
+              <a:off x="6350232" y="5517232"/>
+              <a:ext cx="216024" cy="144016"/>
+            </a:xfrm>
+            <a:prstGeom prst="ellipse">
+              <a:avLst/>
+            </a:prstGeom>
+            <a:solidFill>
+              <a:srgbClr val="FF0000"/>
+            </a:solidFill>
+            <a:ln>
+              <a:noFill/>
+            </a:ln>
+          </p:spPr>
+          <p:style>
+            <a:lnRef idx="2">
+              <a:schemeClr val="accent1">
+                <a:shade val="50000"/>
+              </a:schemeClr>
+            </a:lnRef>
+            <a:fillRef idx="1">
+              <a:schemeClr val="accent1"/>
+            </a:fillRef>
+            <a:effectRef idx="0">
+              <a:schemeClr val="accent1"/>
+            </a:effectRef>
+            <a:fontRef idx="minor">
+              <a:schemeClr val="lt1"/>
+            </a:fontRef>
+          </p:style>
+          <p:txBody>
+            <a:bodyPr rtlCol="0" anchor="ctr"/>
+            <a:lstStyle/>
+            <a:p>
+              <a:pPr algn="ctr"/>
+              <a:endParaRPr lang="en-US"/>
+            </a:p>
+          </p:txBody>
+        </p:sp>
+        <p:sp>
+          <p:nvSpPr>
+            <p:cNvPr id="13" name="Ellipse 12"/>
+            <p:cNvSpPr/>
+            <p:nvPr/>
+          </p:nvSpPr>
+          <p:spPr>
+            <a:xfrm>
+              <a:off x="6638264" y="5517232"/>
+              <a:ext cx="216024" cy="144016"/>
+            </a:xfrm>
+            <a:prstGeom prst="ellipse">
+              <a:avLst/>
+            </a:prstGeom>
+            <a:solidFill>
+              <a:srgbClr val="FF0000"/>
+            </a:solidFill>
+            <a:ln>
+              <a:noFill/>
+            </a:ln>
+          </p:spPr>
+          <p:style>
+            <a:lnRef idx="2">
+              <a:schemeClr val="accent1">
+                <a:shade val="50000"/>
+              </a:schemeClr>
+            </a:lnRef>
+            <a:fillRef idx="1">
+              <a:schemeClr val="accent1"/>
+            </a:fillRef>
+            <a:effectRef idx="0">
+              <a:schemeClr val="accent1"/>
+            </a:effectRef>
+            <a:fontRef idx="minor">
+              <a:schemeClr val="lt1"/>
+            </a:fontRef>
+          </p:style>
+          <p:txBody>
+            <a:bodyPr rtlCol="0" anchor="ctr"/>
+            <a:lstStyle/>
+            <a:p>
+              <a:pPr algn="ctr"/>
+              <a:endParaRPr lang="en-US"/>
+            </a:p>
+          </p:txBody>
+        </p:sp>
+        <p:sp>
+          <p:nvSpPr>
+            <p:cNvPr id="14" name="Ellipse 13"/>
+            <p:cNvSpPr/>
+            <p:nvPr/>
+          </p:nvSpPr>
+          <p:spPr>
+            <a:xfrm>
+              <a:off x="7214328" y="5517232"/>
+              <a:ext cx="216024" cy="144016"/>
+            </a:xfrm>
+            <a:prstGeom prst="ellipse">
+              <a:avLst/>
+            </a:prstGeom>
+            <a:solidFill>
+              <a:srgbClr val="FF0000"/>
+            </a:solidFill>
+            <a:ln>
+              <a:noFill/>
+            </a:ln>
+          </p:spPr>
+          <p:style>
+            <a:lnRef idx="2">
+              <a:schemeClr val="accent1">
+                <a:shade val="50000"/>
+              </a:schemeClr>
+            </a:lnRef>
+            <a:fillRef idx="1">
+              <a:schemeClr val="accent1"/>
+            </a:fillRef>
+            <a:effectRef idx="0">
+              <a:schemeClr val="accent1"/>
+            </a:effectRef>
+            <a:fontRef idx="minor">
+              <a:schemeClr val="lt1"/>
+            </a:fontRef>
+          </p:style>
+          <p:txBody>
+            <a:bodyPr rtlCol="0" anchor="ctr"/>
+            <a:lstStyle/>
+            <a:p>
+              <a:pPr algn="ctr"/>
+              <a:endParaRPr lang="en-US"/>
+            </a:p>
+          </p:txBody>
+        </p:sp>
+        <p:sp>
+          <p:nvSpPr>
+            <p:cNvPr id="15" name="Ellipse 14"/>
+            <p:cNvSpPr/>
+            <p:nvPr/>
+          </p:nvSpPr>
+          <p:spPr>
+            <a:xfrm>
+              <a:off x="7790392" y="5517232"/>
+              <a:ext cx="216024" cy="144016"/>
+            </a:xfrm>
+            <a:prstGeom prst="ellipse">
+              <a:avLst/>
+            </a:prstGeom>
+            <a:solidFill>
+              <a:srgbClr val="FF0000"/>
+            </a:solidFill>
+            <a:ln>
+              <a:noFill/>
+            </a:ln>
+          </p:spPr>
+          <p:style>
+            <a:lnRef idx="2">
+              <a:schemeClr val="accent1">
+                <a:shade val="50000"/>
+              </a:schemeClr>
+            </a:lnRef>
+            <a:fillRef idx="1">
+              <a:schemeClr val="accent1"/>
+            </a:fillRef>
+            <a:effectRef idx="0">
+              <a:schemeClr val="accent1"/>
+            </a:effectRef>
+            <a:fontRef idx="minor">
+              <a:schemeClr val="lt1"/>
+            </a:fontRef>
+          </p:style>
+          <p:txBody>
+            <a:bodyPr rtlCol="0" anchor="ctr"/>
+            <a:lstStyle/>
+            <a:p>
+              <a:pPr algn="ctr"/>
+              <a:endParaRPr lang="en-US"/>
+            </a:p>
+          </p:txBody>
+        </p:sp>
+        <p:sp>
+          <p:nvSpPr>
+            <p:cNvPr id="16" name="Rectangle 15"/>
+            <p:cNvSpPr/>
+            <p:nvPr/>
+          </p:nvSpPr>
+          <p:spPr>
+            <a:xfrm>
+              <a:off x="5846176" y="5327497"/>
+              <a:ext cx="2232248" cy="45719"/>
+            </a:xfrm>
+            <a:prstGeom prst="rect">
+              <a:avLst/>
+            </a:prstGeom>
+            <a:solidFill>
+              <a:srgbClr val="FFFF00"/>
+            </a:solidFill>
+            <a:ln>
+              <a:noFill/>
+            </a:ln>
+          </p:spPr>
+          <p:style>
+            <a:lnRef idx="2">
+              <a:schemeClr val="accent1">
+                <a:shade val="50000"/>
+              </a:schemeClr>
+            </a:lnRef>
+            <a:fillRef idx="1">
+              <a:schemeClr val="accent1"/>
+            </a:fillRef>
+            <a:effectRef idx="0">
+              <a:schemeClr val="accent1"/>
+            </a:effectRef>
+            <a:fontRef idx="minor">
+              <a:schemeClr val="lt1"/>
+            </a:fontRef>
+          </p:style>
+          <p:txBody>
+            <a:bodyPr rtlCol="0" anchor="ctr"/>
+            <a:lstStyle/>
+            <a:p>
+              <a:pPr algn="ctr"/>
+              <a:endParaRPr lang="en-US"/>
+            </a:p>
+          </p:txBody>
+        </p:sp>
+        <p:cxnSp>
+          <p:nvCxnSpPr>
+            <p:cNvPr id="17" name="Connecteur droit 16"/>
+            <p:cNvCxnSpPr/>
+            <p:nvPr/>
+          </p:nvCxnSpPr>
+          <p:spPr>
+            <a:xfrm flipV="1">
+              <a:off x="5835948" y="5374170"/>
+              <a:ext cx="10228" cy="945022"/>
+            </a:xfrm>
+            <a:prstGeom prst="line">
+              <a:avLst/>
+            </a:prstGeom>
+          </p:spPr>
+          <p:style>
+            <a:lnRef idx="1">
+              <a:schemeClr val="accent2"/>
+            </a:lnRef>
+            <a:fillRef idx="0">
+              <a:schemeClr val="accent2"/>
+            </a:fillRef>
+            <a:effectRef idx="0">
+              <a:schemeClr val="accent2"/>
+            </a:effectRef>
+            <a:fontRef idx="minor">
+              <a:schemeClr val="tx1"/>
+            </a:fontRef>
+          </p:style>
+        </p:cxnSp>
+        <p:cxnSp>
+          <p:nvCxnSpPr>
+            <p:cNvPr id="18" name="Connecteur droit 17"/>
+            <p:cNvCxnSpPr/>
+            <p:nvPr/>
+          </p:nvCxnSpPr>
+          <p:spPr>
+            <a:xfrm flipV="1">
+              <a:off x="8078425" y="5371313"/>
+              <a:ext cx="0" cy="947879"/>
+            </a:xfrm>
+            <a:prstGeom prst="line">
+              <a:avLst/>
+            </a:prstGeom>
+          </p:spPr>
+          <p:style>
+            <a:lnRef idx="1">
+              <a:schemeClr val="accent2"/>
+            </a:lnRef>
+            <a:fillRef idx="0">
+              <a:schemeClr val="accent2"/>
+            </a:fillRef>
+            <a:effectRef idx="0">
+              <a:schemeClr val="accent2"/>
+            </a:effectRef>
+            <a:fontRef idx="minor">
+              <a:schemeClr val="tx1"/>
+            </a:fontRef>
+          </p:style>
+        </p:cxnSp>
+        <p:cxnSp>
+          <p:nvCxnSpPr>
+            <p:cNvPr id="19" name="Connecteur droit 18"/>
+            <p:cNvCxnSpPr/>
+            <p:nvPr/>
+          </p:nvCxnSpPr>
+          <p:spPr>
+            <a:xfrm>
+              <a:off x="5846176" y="5373216"/>
+              <a:ext cx="2232248" cy="0"/>
+            </a:xfrm>
+            <a:prstGeom prst="line">
+              <a:avLst/>
+            </a:prstGeom>
+          </p:spPr>
+          <p:style>
+            <a:lnRef idx="1">
+              <a:schemeClr val="accent2"/>
+            </a:lnRef>
+            <a:fillRef idx="0">
+              <a:schemeClr val="accent2"/>
+            </a:fillRef>
+            <a:effectRef idx="0">
+              <a:schemeClr val="accent2"/>
+            </a:effectRef>
+            <a:fontRef idx="minor">
+              <a:schemeClr val="tx1"/>
+            </a:fontRef>
+          </p:style>
+        </p:cxnSp>
+        <p:sp>
+          <p:nvSpPr>
+            <p:cNvPr id="20" name="Rectangle 19"/>
+            <p:cNvSpPr/>
+            <p:nvPr/>
+          </p:nvSpPr>
+          <p:spPr>
+            <a:xfrm>
+              <a:off x="5776909" y="5901811"/>
+              <a:ext cx="697772" cy="294924"/>
+            </a:xfrm>
+            <a:prstGeom prst="rect">
+              <a:avLst/>
+            </a:prstGeom>
+          </p:spPr>
+          <p:txBody>
+            <a:bodyPr wrap="none">
+              <a:spAutoFit/>
+            </a:bodyPr>
+            <a:lstStyle/>
+            <a:p>
+              <a:r>
+                <a:rPr lang="en-US" sz="1200" dirty="0">
+                  <a:latin typeface="Times New Roman" panose="02020603050405020304" pitchFamily="18" charset="0"/>
+                  <a:cs typeface="Times New Roman" panose="02020603050405020304" pitchFamily="18" charset="0"/>
+                </a:rPr>
+                <a:t>p-</a:t>
+              </a:r>
+              <a:r>
+                <a:rPr lang="en-US" sz="1200" dirty="0" err="1">
+                  <a:latin typeface="Times New Roman" panose="02020603050405020304" pitchFamily="18" charset="0"/>
+                  <a:cs typeface="Times New Roman" panose="02020603050405020304" pitchFamily="18" charset="0"/>
+                </a:rPr>
+                <a:t>ZnTe</a:t>
+              </a:r>
+              <a:endParaRPr lang="en-US" sz="1200" dirty="0">
+                <a:latin typeface="Times New Roman" panose="02020603050405020304" pitchFamily="18" charset="0"/>
+                <a:cs typeface="Times New Roman" panose="02020603050405020304" pitchFamily="18" charset="0"/>
+              </a:endParaRPr>
+            </a:p>
+          </p:txBody>
+        </p:sp>
+        <p:sp>
+          <p:nvSpPr>
+            <p:cNvPr id="21" name="Rectangle 20"/>
+            <p:cNvSpPr/>
+            <p:nvPr/>
+          </p:nvSpPr>
+          <p:spPr>
+            <a:xfrm>
+              <a:off x="5801493" y="5504396"/>
+              <a:ext cx="660909" cy="294924"/>
+            </a:xfrm>
+            <a:prstGeom prst="rect">
+              <a:avLst/>
+            </a:prstGeom>
+          </p:spPr>
+          <p:txBody>
+            <a:bodyPr wrap="none">
+              <a:spAutoFit/>
+            </a:bodyPr>
+            <a:lstStyle/>
+            <a:p>
+              <a:r>
+                <a:rPr lang="en-US" sz="1200" dirty="0" err="1" smtClean="0">
+                  <a:latin typeface="Times New Roman" panose="02020603050405020304" pitchFamily="18" charset="0"/>
+                  <a:cs typeface="Times New Roman" panose="02020603050405020304" pitchFamily="18" charset="0"/>
+                </a:rPr>
+                <a:t>i-ZnTe</a:t>
+              </a:r>
+              <a:endParaRPr lang="en-US" sz="1200" dirty="0">
+                <a:latin typeface="Times New Roman" panose="02020603050405020304" pitchFamily="18" charset="0"/>
+                <a:cs typeface="Times New Roman" panose="02020603050405020304" pitchFamily="18" charset="0"/>
+              </a:endParaRPr>
+            </a:p>
+          </p:txBody>
+        </p:sp>
+        <p:sp>
+          <p:nvSpPr>
+            <p:cNvPr id="22" name="Rectangle 21"/>
+            <p:cNvSpPr/>
+            <p:nvPr/>
+          </p:nvSpPr>
+          <p:spPr>
+            <a:xfrm>
+              <a:off x="4660717" y="4709567"/>
+              <a:ext cx="1554192" cy="509589"/>
+            </a:xfrm>
+            <a:prstGeom prst="rect">
+              <a:avLst/>
+            </a:prstGeom>
+          </p:spPr>
+          <p:txBody>
+            <a:bodyPr wrap="square">
+              <a:spAutoFit/>
+            </a:bodyPr>
+            <a:lstStyle/>
+            <a:p>
+              <a:r>
+                <a:rPr lang="en-US" sz="1200" dirty="0" smtClean="0">
+                  <a:latin typeface="Times New Roman" panose="02020603050405020304" pitchFamily="18" charset="0"/>
+                  <a:cs typeface="Times New Roman" panose="02020603050405020304" pitchFamily="18" charset="0"/>
+                </a:rPr>
+                <a:t>Au (</a:t>
+              </a:r>
+              <a:r>
+                <a:rPr lang="en-US" sz="1200" dirty="0">
+                  <a:latin typeface="Times New Roman" panose="02020603050405020304" pitchFamily="18" charset="0"/>
+                  <a:cs typeface="Times New Roman" panose="02020603050405020304" pitchFamily="18" charset="0"/>
+                </a:rPr>
+                <a:t>6 </a:t>
+              </a:r>
+              <a:r>
+                <a:rPr lang="en-US" sz="1200" dirty="0" smtClean="0">
+                  <a:latin typeface="Times New Roman" panose="02020603050405020304" pitchFamily="18" charset="0"/>
+                  <a:cs typeface="Times New Roman" panose="02020603050405020304" pitchFamily="18" charset="0"/>
+                </a:rPr>
+                <a:t>nm)</a:t>
+              </a:r>
+              <a:endParaRPr lang="en-US" sz="1200" dirty="0">
+                <a:latin typeface="Times New Roman" panose="02020603050405020304" pitchFamily="18" charset="0"/>
+                <a:cs typeface="Times New Roman" panose="02020603050405020304" pitchFamily="18" charset="0"/>
+              </a:endParaRPr>
+            </a:p>
+          </p:txBody>
+        </p:sp>
+        <p:pic>
+          <p:nvPicPr>
+            <p:cNvPr id="23" name="Image 22" descr="Image3.png"/>
+            <p:cNvPicPr>
+              <a:picLocks noChangeAspect="1"/>
+            </p:cNvPicPr>
+            <p:nvPr/>
+          </p:nvPicPr>
+          <p:blipFill>
+            <a:blip r:embed="rId7" cstate="print"/>
+            <a:srcRect b="48823"/>
+            <a:stretch>
+              <a:fillRect/>
+            </a:stretch>
+          </p:blipFill>
+          <p:spPr>
+            <a:xfrm>
+              <a:off x="5870644" y="4725144"/>
+              <a:ext cx="1919748" cy="602353"/>
+            </a:xfrm>
+            <a:prstGeom prst="rect">
+              <a:avLst/>
+            </a:prstGeom>
+          </p:spPr>
+        </p:pic>
+        <p:sp>
+          <p:nvSpPr>
+            <p:cNvPr id="24" name="Rectangle 23"/>
+            <p:cNvSpPr/>
+            <p:nvPr/>
+          </p:nvSpPr>
+          <p:spPr>
+            <a:xfrm>
+              <a:off x="6035596" y="4944529"/>
+              <a:ext cx="455022" cy="294924"/>
+            </a:xfrm>
+            <a:prstGeom prst="rect">
+              <a:avLst/>
+            </a:prstGeom>
+          </p:spPr>
+          <p:txBody>
+            <a:bodyPr wrap="none">
+              <a:spAutoFit/>
+            </a:bodyPr>
+            <a:lstStyle/>
+            <a:p>
+              <a:r>
+                <a:rPr lang="en-US" sz="1200" dirty="0" smtClean="0">
+                  <a:latin typeface="Times New Roman" panose="02020603050405020304" pitchFamily="18" charset="0"/>
+                  <a:cs typeface="Times New Roman" panose="02020603050405020304" pitchFamily="18" charset="0"/>
+                </a:rPr>
+                <a:t>SIL</a:t>
+              </a:r>
+              <a:endParaRPr lang="en-US" sz="1200" dirty="0">
+                <a:latin typeface="Times New Roman" panose="02020603050405020304" pitchFamily="18" charset="0"/>
+                <a:cs typeface="Times New Roman" panose="02020603050405020304" pitchFamily="18" charset="0"/>
+              </a:endParaRPr>
+            </a:p>
+          </p:txBody>
+        </p:sp>
+        <p:sp>
+          <p:nvSpPr>
+            <p:cNvPr id="25" name="Ellipse 24"/>
+            <p:cNvSpPr/>
+            <p:nvPr/>
+          </p:nvSpPr>
+          <p:spPr>
+            <a:xfrm>
+              <a:off x="8510473" y="5741021"/>
+              <a:ext cx="432047" cy="406282"/>
+            </a:xfrm>
+            <a:prstGeom prst="ellipse">
+              <a:avLst/>
+            </a:prstGeom>
+          </p:spPr>
+          <p:style>
+            <a:lnRef idx="2">
+              <a:schemeClr val="accent6"/>
+            </a:lnRef>
+            <a:fillRef idx="1">
+              <a:schemeClr val="lt1"/>
+            </a:fillRef>
+            <a:effectRef idx="0">
+              <a:schemeClr val="accent6"/>
+            </a:effectRef>
+            <a:fontRef idx="minor">
+              <a:schemeClr val="dk1"/>
+            </a:fontRef>
+          </p:style>
+          <p:txBody>
+            <a:bodyPr rtlCol="0" anchor="ctr"/>
+            <a:lstStyle/>
+            <a:p>
+              <a:pPr algn="ctr"/>
+              <a:endParaRPr lang="en-US"/>
+            </a:p>
+          </p:txBody>
+        </p:sp>
+        <p:cxnSp>
+          <p:nvCxnSpPr>
+            <p:cNvPr id="26" name="Connecteur droit 25"/>
+            <p:cNvCxnSpPr/>
+            <p:nvPr/>
+          </p:nvCxnSpPr>
+          <p:spPr>
+            <a:xfrm flipV="1">
+              <a:off x="7898404" y="4869160"/>
+              <a:ext cx="0" cy="453384"/>
+            </a:xfrm>
+            <a:prstGeom prst="line">
+              <a:avLst/>
+            </a:prstGeom>
+            <a:ln>
+              <a:solidFill>
+                <a:srgbClr val="0070C0"/>
+              </a:solidFill>
+            </a:ln>
+          </p:spPr>
+          <p:style>
+            <a:lnRef idx="1">
+              <a:schemeClr val="accent1"/>
+            </a:lnRef>
+            <a:fillRef idx="0">
+              <a:schemeClr val="accent1"/>
+            </a:fillRef>
+            <a:effectRef idx="0">
+              <a:schemeClr val="accent1"/>
+            </a:effectRef>
+            <a:fontRef idx="minor">
+              <a:schemeClr val="tx1"/>
+            </a:fontRef>
+          </p:style>
+        </p:cxnSp>
+        <p:cxnSp>
+          <p:nvCxnSpPr>
+            <p:cNvPr id="27" name="Connecteur droit 26"/>
+            <p:cNvCxnSpPr/>
+            <p:nvPr/>
+          </p:nvCxnSpPr>
+          <p:spPr>
+            <a:xfrm>
+              <a:off x="7898404" y="4869160"/>
+              <a:ext cx="828092" cy="0"/>
+            </a:xfrm>
+            <a:prstGeom prst="line">
+              <a:avLst/>
+            </a:prstGeom>
+            <a:ln>
+              <a:solidFill>
+                <a:srgbClr val="0070C0"/>
+              </a:solidFill>
+            </a:ln>
+          </p:spPr>
+          <p:style>
+            <a:lnRef idx="1">
+              <a:schemeClr val="accent1"/>
+            </a:lnRef>
+            <a:fillRef idx="0">
+              <a:schemeClr val="accent1"/>
+            </a:fillRef>
+            <a:effectRef idx="0">
+              <a:schemeClr val="accent1"/>
+            </a:effectRef>
+            <a:fontRef idx="minor">
+              <a:schemeClr val="tx1"/>
+            </a:fontRef>
+          </p:style>
+        </p:cxnSp>
+        <p:cxnSp>
+          <p:nvCxnSpPr>
+            <p:cNvPr id="28" name="Connecteur droit 27"/>
+            <p:cNvCxnSpPr>
+              <a:endCxn id="25" idx="0"/>
+            </p:cNvCxnSpPr>
+            <p:nvPr/>
+          </p:nvCxnSpPr>
+          <p:spPr>
+            <a:xfrm>
+              <a:off x="8726496" y="4869161"/>
+              <a:ext cx="0" cy="871860"/>
+            </a:xfrm>
+            <a:prstGeom prst="line">
+              <a:avLst/>
+            </a:prstGeom>
+            <a:ln>
+              <a:solidFill>
+                <a:srgbClr val="0070C0"/>
+              </a:solidFill>
+            </a:ln>
+          </p:spPr>
+          <p:style>
+            <a:lnRef idx="1">
+              <a:schemeClr val="accent1"/>
+            </a:lnRef>
+            <a:fillRef idx="0">
+              <a:schemeClr val="accent1"/>
+            </a:fillRef>
+            <a:effectRef idx="0">
+              <a:schemeClr val="accent1"/>
+            </a:effectRef>
+            <a:fontRef idx="minor">
+              <a:schemeClr val="tx1"/>
+            </a:fontRef>
+          </p:style>
+        </p:cxnSp>
+        <p:cxnSp>
+          <p:nvCxnSpPr>
+            <p:cNvPr id="29" name="Connecteur droit 28"/>
+            <p:cNvCxnSpPr>
+              <a:stCxn id="25" idx="4"/>
+            </p:cNvCxnSpPr>
+            <p:nvPr/>
+          </p:nvCxnSpPr>
+          <p:spPr>
+            <a:xfrm>
+              <a:off x="8726496" y="6147303"/>
+              <a:ext cx="0" cy="594065"/>
+            </a:xfrm>
+            <a:prstGeom prst="line">
+              <a:avLst/>
+            </a:prstGeom>
+            <a:ln>
+              <a:solidFill>
+                <a:srgbClr val="0070C0"/>
+              </a:solidFill>
+            </a:ln>
+          </p:spPr>
+          <p:style>
+            <a:lnRef idx="1">
+              <a:schemeClr val="accent1"/>
+            </a:lnRef>
+            <a:fillRef idx="0">
+              <a:schemeClr val="accent1"/>
+            </a:fillRef>
+            <a:effectRef idx="0">
+              <a:schemeClr val="accent1"/>
+            </a:effectRef>
+            <a:fontRef idx="minor">
+              <a:schemeClr val="tx1"/>
+            </a:fontRef>
+          </p:style>
+        </p:cxnSp>
+        <p:cxnSp>
+          <p:nvCxnSpPr>
+            <p:cNvPr id="30" name="Connecteur droit 29"/>
+            <p:cNvCxnSpPr/>
+            <p:nvPr/>
+          </p:nvCxnSpPr>
+          <p:spPr>
+            <a:xfrm>
+              <a:off x="7898404" y="6319192"/>
+              <a:ext cx="0" cy="422176"/>
+            </a:xfrm>
+            <a:prstGeom prst="line">
+              <a:avLst/>
+            </a:prstGeom>
+            <a:ln>
+              <a:solidFill>
+                <a:srgbClr val="0070C0"/>
+              </a:solidFill>
+            </a:ln>
+          </p:spPr>
+          <p:style>
+            <a:lnRef idx="1">
+              <a:schemeClr val="accent1"/>
+            </a:lnRef>
+            <a:fillRef idx="0">
+              <a:schemeClr val="accent1"/>
+            </a:fillRef>
+            <a:effectRef idx="0">
+              <a:schemeClr val="accent1"/>
+            </a:effectRef>
+            <a:fontRef idx="minor">
+              <a:schemeClr val="tx1"/>
+            </a:fontRef>
+          </p:style>
+        </p:cxnSp>
+        <p:cxnSp>
+          <p:nvCxnSpPr>
+            <p:cNvPr id="31" name="Connecteur droit 30"/>
+            <p:cNvCxnSpPr/>
+            <p:nvPr/>
+          </p:nvCxnSpPr>
+          <p:spPr>
+            <a:xfrm>
+              <a:off x="7898404" y="6741368"/>
+              <a:ext cx="828092" cy="0"/>
+            </a:xfrm>
+            <a:prstGeom prst="line">
+              <a:avLst/>
+            </a:prstGeom>
+            <a:ln>
+              <a:solidFill>
+                <a:srgbClr val="0070C0"/>
+              </a:solidFill>
+            </a:ln>
+          </p:spPr>
+          <p:style>
+            <a:lnRef idx="1">
+              <a:schemeClr val="accent1"/>
+            </a:lnRef>
+            <a:fillRef idx="0">
+              <a:schemeClr val="accent1"/>
+            </a:fillRef>
+            <a:effectRef idx="0">
+              <a:schemeClr val="accent1"/>
+            </a:effectRef>
+            <a:fontRef idx="minor">
+              <a:schemeClr val="tx1"/>
+            </a:fontRef>
+          </p:style>
+        </p:cxnSp>
+        <p:sp>
+          <p:nvSpPr>
+            <p:cNvPr id="32" name="Rectangle 31"/>
+            <p:cNvSpPr/>
+            <p:nvPr/>
+          </p:nvSpPr>
+          <p:spPr>
+            <a:xfrm>
+              <a:off x="8461184" y="5675405"/>
+              <a:ext cx="351449" cy="358879"/>
+            </a:xfrm>
+            <a:prstGeom prst="rect">
+              <a:avLst/>
+            </a:prstGeom>
+            <a:ln>
+              <a:noFill/>
+            </a:ln>
+          </p:spPr>
+          <p:txBody>
+            <a:bodyPr wrap="none">
+              <a:spAutoFit/>
+            </a:bodyPr>
+            <a:lstStyle/>
+            <a:p>
+              <a:r>
+                <a:rPr lang="en-US" sz="1600" dirty="0" smtClean="0"/>
+                <a:t>V</a:t>
+              </a:r>
+              <a:endParaRPr lang="en-US" sz="1600" dirty="0"/>
+            </a:p>
+          </p:txBody>
+        </p:sp>
+        <p:sp>
+          <p:nvSpPr>
+            <p:cNvPr id="33" name="Rectangle 32"/>
+            <p:cNvSpPr/>
+            <p:nvPr/>
+          </p:nvSpPr>
+          <p:spPr>
+            <a:xfrm>
+              <a:off x="4916047" y="5239453"/>
+              <a:ext cx="566111" cy="294924"/>
+            </a:xfrm>
+            <a:prstGeom prst="rect">
+              <a:avLst/>
+            </a:prstGeom>
+          </p:spPr>
+          <p:txBody>
+            <a:bodyPr wrap="none">
+              <a:spAutoFit/>
+            </a:bodyPr>
+            <a:lstStyle/>
+            <a:p>
+              <a:r>
+                <a:rPr lang="en-US" sz="1200" dirty="0" err="1" smtClean="0">
+                  <a:latin typeface="Times New Roman" panose="02020603050405020304" pitchFamily="18" charset="0"/>
+                  <a:cs typeface="Times New Roman" panose="02020603050405020304" pitchFamily="18" charset="0"/>
+                </a:rPr>
+                <a:t>CdTe</a:t>
+              </a:r>
+              <a:endParaRPr lang="en-US" sz="1200" dirty="0">
+                <a:latin typeface="Times New Roman" panose="02020603050405020304" pitchFamily="18" charset="0"/>
+                <a:cs typeface="Times New Roman" panose="02020603050405020304" pitchFamily="18" charset="0"/>
+              </a:endParaRPr>
+            </a:p>
+          </p:txBody>
+        </p:sp>
+      </p:grpSp>
+      <p:cxnSp>
+        <p:nvCxnSpPr>
+          <p:cNvPr id="3" name="Connecteur droit 2"/>
+          <p:cNvCxnSpPr>
+            <a:stCxn id="22" idx="2"/>
+            <a:endCxn id="16" idx="1"/>
+          </p:cNvCxnSpPr>
+          <p:nvPr/>
+        </p:nvCxnSpPr>
+        <p:spPr>
+          <a:xfrm>
+            <a:off x="7163057" y="3529211"/>
+            <a:ext cx="226393" cy="71317"/>
+          </a:xfrm>
+          <a:prstGeom prst="line">
+            <a:avLst/>
+          </a:prstGeom>
+          <a:ln>
+            <a:solidFill>
+              <a:schemeClr val="tx1"/>
+            </a:solidFill>
+          </a:ln>
+        </p:spPr>
+        <p:style>
+          <a:lnRef idx="1">
+            <a:schemeClr val="accent1"/>
+          </a:lnRef>
+          <a:fillRef idx="0">
+            <a:schemeClr val="accent1"/>
+          </a:fillRef>
+          <a:effectRef idx="0">
+            <a:schemeClr val="accent1"/>
+          </a:effectRef>
+          <a:fontRef idx="minor">
+            <a:schemeClr val="tx1"/>
+          </a:fontRef>
+        </p:style>
+      </p:cxnSp>
+      <p:sp>
+        <p:nvSpPr>
+          <p:cNvPr id="36" name="ZoneTexte 35"/>
+          <p:cNvSpPr txBox="1"/>
+          <p:nvPr/>
+        </p:nvSpPr>
+        <p:spPr>
+          <a:xfrm>
+            <a:off x="7003286" y="2844477"/>
+            <a:ext cx="377026" cy="369332"/>
+          </a:xfrm>
+          <a:prstGeom prst="rect">
+            <a:avLst/>
+          </a:prstGeom>
+          <a:noFill/>
+        </p:spPr>
+        <p:txBody>
+          <a:bodyPr wrap="none" rtlCol="0">
+            <a:spAutoFit/>
+          </a:bodyPr>
+          <a:lstStyle/>
+          <a:p>
+            <a:r>
+              <a:rPr lang="fr-FR" dirty="0">
+                <a:latin typeface="Times New Roman" pitchFamily="18" charset="0"/>
+                <a:cs typeface="Times New Roman" pitchFamily="18" charset="0"/>
+              </a:rPr>
+              <a:t>d</a:t>
+            </a:r>
+            <a:r>
+              <a:rPr lang="fr-FR" dirty="0" smtClean="0">
+                <a:latin typeface="Times New Roman" pitchFamily="18" charset="0"/>
+                <a:cs typeface="Times New Roman" pitchFamily="18" charset="0"/>
+              </a:rPr>
+              <a:t>)</a:t>
             </a:r>
             <a:endParaRPr lang="fr-FR" dirty="0">
               <a:latin typeface="Times New Roman" pitchFamily="18" charset="0"/>

--- a/02-GrowthQDs/Pictures/MapEfield.pptx
+++ b/02-GrowthQDs/Pictures/MapEfield.pptx
@@ -7,7 +7,7 @@
   <p:sldIdLst>
     <p:sldId id="256" r:id="rId2"/>
   </p:sldIdLst>
-  <p:sldSz cx="9144000" cy="4968875"/>
+  <p:sldSz cx="9144000" cy="12061825"/>
   <p:notesSz cx="6858000" cy="9144000"/>
   <p:defaultTextStyle>
     <a:defPPr>
@@ -136,8 +136,8 @@
         </p:nvSpPr>
         <p:spPr>
           <a:xfrm>
-            <a:off x="685800" y="1543573"/>
-            <a:ext cx="7772400" cy="1065087"/>
+            <a:off x="685800" y="3746989"/>
+            <a:ext cx="7772400" cy="2585472"/>
           </a:xfrm>
         </p:spPr>
         <p:txBody>
@@ -164,8 +164,8 @@
         </p:nvSpPr>
         <p:spPr>
           <a:xfrm>
-            <a:off x="1371600" y="2815696"/>
-            <a:ext cx="6400800" cy="1269824"/>
+            <a:off x="1371600" y="6835034"/>
+            <a:ext cx="6400800" cy="3082468"/>
           </a:xfrm>
         </p:spPr>
         <p:txBody>
@@ -288,7 +288,7 @@
           <a:p>
             <a:fld id="{3188249C-4BA3-4338-8D91-035235D4C769}" type="datetimeFigureOut">
               <a:rPr lang="fr-FR" smtClean="0"/>
-              <a:t>01/09/2017</a:t>
+              <a:t>13/09/2017</a:t>
             </a:fld>
             <a:endParaRPr lang="fr-FR"/>
           </a:p>
@@ -458,7 +458,7 @@
           <a:p>
             <a:fld id="{3188249C-4BA3-4338-8D91-035235D4C769}" type="datetimeFigureOut">
               <a:rPr lang="fr-FR" smtClean="0"/>
-              <a:t>01/09/2017</a:t>
+              <a:t>13/09/2017</a:t>
             </a:fld>
             <a:endParaRPr lang="fr-FR"/>
           </a:p>
@@ -548,8 +548,8 @@
         </p:nvSpPr>
         <p:spPr>
           <a:xfrm>
-            <a:off x="6629400" y="198986"/>
-            <a:ext cx="2057400" cy="4239646"/>
+            <a:off x="6629400" y="483035"/>
+            <a:ext cx="2057400" cy="10291639"/>
           </a:xfrm>
         </p:spPr>
         <p:txBody>
@@ -576,8 +576,8 @@
         </p:nvSpPr>
         <p:spPr>
           <a:xfrm>
-            <a:off x="457200" y="198986"/>
-            <a:ext cx="6019800" cy="4239646"/>
+            <a:off x="457200" y="483035"/>
+            <a:ext cx="6019800" cy="10291639"/>
           </a:xfrm>
         </p:spPr>
         <p:txBody>
@@ -638,7 +638,7 @@
           <a:p>
             <a:fld id="{3188249C-4BA3-4338-8D91-035235D4C769}" type="datetimeFigureOut">
               <a:rPr lang="fr-FR" smtClean="0"/>
-              <a:t>01/09/2017</a:t>
+              <a:t>13/09/2017</a:t>
             </a:fld>
             <a:endParaRPr lang="fr-FR"/>
           </a:p>
@@ -808,7 +808,7 @@
           <a:p>
             <a:fld id="{3188249C-4BA3-4338-8D91-035235D4C769}" type="datetimeFigureOut">
               <a:rPr lang="fr-FR" smtClean="0"/>
-              <a:t>01/09/2017</a:t>
+              <a:t>13/09/2017</a:t>
             </a:fld>
             <a:endParaRPr lang="fr-FR"/>
           </a:p>
@@ -898,8 +898,8 @@
         </p:nvSpPr>
         <p:spPr>
           <a:xfrm>
-            <a:off x="722313" y="3192964"/>
-            <a:ext cx="7772400" cy="986874"/>
+            <a:off x="722313" y="7750844"/>
+            <a:ext cx="7772400" cy="2395614"/>
           </a:xfrm>
         </p:spPr>
         <p:txBody>
@@ -930,8 +930,8 @@
         </p:nvSpPr>
         <p:spPr>
           <a:xfrm>
-            <a:off x="722313" y="2106023"/>
-            <a:ext cx="7772400" cy="1086941"/>
+            <a:off x="722313" y="5112324"/>
+            <a:ext cx="7772400" cy="2638523"/>
           </a:xfrm>
         </p:spPr>
         <p:txBody>
@@ -1054,7 +1054,7 @@
           <a:p>
             <a:fld id="{3188249C-4BA3-4338-8D91-035235D4C769}" type="datetimeFigureOut">
               <a:rPr lang="fr-FR" smtClean="0"/>
-              <a:t>01/09/2017</a:t>
+              <a:t>13/09/2017</a:t>
             </a:fld>
             <a:endParaRPr lang="fr-FR"/>
           </a:p>
@@ -1167,8 +1167,8 @@
         </p:nvSpPr>
         <p:spPr>
           <a:xfrm>
-            <a:off x="457200" y="1159407"/>
-            <a:ext cx="4038600" cy="3279227"/>
+            <a:off x="457200" y="2814435"/>
+            <a:ext cx="4038600" cy="7960245"/>
           </a:xfrm>
         </p:spPr>
         <p:txBody>
@@ -1252,8 +1252,8 @@
         </p:nvSpPr>
         <p:spPr>
           <a:xfrm>
-            <a:off x="4648200" y="1159407"/>
-            <a:ext cx="4038600" cy="3279227"/>
+            <a:off x="4648200" y="2814435"/>
+            <a:ext cx="4038600" cy="7960245"/>
           </a:xfrm>
         </p:spPr>
         <p:txBody>
@@ -1342,7 +1342,7 @@
           <a:p>
             <a:fld id="{3188249C-4BA3-4338-8D91-035235D4C769}" type="datetimeFigureOut">
               <a:rPr lang="fr-FR" smtClean="0"/>
-              <a:t>01/09/2017</a:t>
+              <a:t>13/09/2017</a:t>
             </a:fld>
             <a:endParaRPr lang="fr-FR"/>
           </a:p>
@@ -1459,8 +1459,8 @@
         </p:nvSpPr>
         <p:spPr>
           <a:xfrm>
-            <a:off x="457200" y="1112247"/>
-            <a:ext cx="4040188" cy="463532"/>
+            <a:off x="457200" y="2699954"/>
+            <a:ext cx="4040188" cy="1125214"/>
           </a:xfrm>
         </p:spPr>
         <p:txBody>
@@ -1524,8 +1524,8 @@
         </p:nvSpPr>
         <p:spPr>
           <a:xfrm>
-            <a:off x="457200" y="1575778"/>
-            <a:ext cx="4040188" cy="2862854"/>
+            <a:off x="457200" y="3825165"/>
+            <a:ext cx="4040188" cy="6949510"/>
           </a:xfrm>
         </p:spPr>
         <p:txBody>
@@ -1609,8 +1609,8 @@
         </p:nvSpPr>
         <p:spPr>
           <a:xfrm>
-            <a:off x="4645030" y="1112247"/>
-            <a:ext cx="4041775" cy="463532"/>
+            <a:off x="4645033" y="2699954"/>
+            <a:ext cx="4041775" cy="1125214"/>
           </a:xfrm>
         </p:spPr>
         <p:txBody>
@@ -1674,8 +1674,8 @@
         </p:nvSpPr>
         <p:spPr>
           <a:xfrm>
-            <a:off x="4645030" y="1575778"/>
-            <a:ext cx="4041775" cy="2862854"/>
+            <a:off x="4645033" y="3825165"/>
+            <a:ext cx="4041775" cy="6949510"/>
           </a:xfrm>
         </p:spPr>
         <p:txBody>
@@ -1764,7 +1764,7 @@
           <a:p>
             <a:fld id="{3188249C-4BA3-4338-8D91-035235D4C769}" type="datetimeFigureOut">
               <a:rPr lang="fr-FR" smtClean="0"/>
-              <a:t>01/09/2017</a:t>
+              <a:t>13/09/2017</a:t>
             </a:fld>
             <a:endParaRPr lang="fr-FR"/>
           </a:p>
@@ -1882,7 +1882,7 @@
           <a:p>
             <a:fld id="{3188249C-4BA3-4338-8D91-035235D4C769}" type="datetimeFigureOut">
               <a:rPr lang="fr-FR" smtClean="0"/>
-              <a:t>01/09/2017</a:t>
+              <a:t>13/09/2017</a:t>
             </a:fld>
             <a:endParaRPr lang="fr-FR"/>
           </a:p>
@@ -1977,7 +1977,7 @@
           <a:p>
             <a:fld id="{3188249C-4BA3-4338-8D91-035235D4C769}" type="datetimeFigureOut">
               <a:rPr lang="fr-FR" smtClean="0"/>
-              <a:t>01/09/2017</a:t>
+              <a:t>13/09/2017</a:t>
             </a:fld>
             <a:endParaRPr lang="fr-FR"/>
           </a:p>
@@ -2067,8 +2067,8 @@
         </p:nvSpPr>
         <p:spPr>
           <a:xfrm>
-            <a:off x="457205" y="197836"/>
-            <a:ext cx="3008313" cy="841948"/>
+            <a:off x="457210" y="480243"/>
+            <a:ext cx="3008313" cy="2043808"/>
           </a:xfrm>
         </p:spPr>
         <p:txBody>
@@ -2099,8 +2099,8 @@
         </p:nvSpPr>
         <p:spPr>
           <a:xfrm>
-            <a:off x="3575050" y="197836"/>
-            <a:ext cx="5111750" cy="4240797"/>
+            <a:off x="3575050" y="480244"/>
+            <a:ext cx="5111750" cy="10294434"/>
           </a:xfrm>
         </p:spPr>
         <p:txBody>
@@ -2184,8 +2184,8 @@
         </p:nvSpPr>
         <p:spPr>
           <a:xfrm>
-            <a:off x="457205" y="1039784"/>
-            <a:ext cx="3008313" cy="3398848"/>
+            <a:off x="457210" y="2524051"/>
+            <a:ext cx="3008313" cy="8250622"/>
           </a:xfrm>
         </p:spPr>
         <p:txBody>
@@ -2254,7 +2254,7 @@
           <a:p>
             <a:fld id="{3188249C-4BA3-4338-8D91-035235D4C769}" type="datetimeFigureOut">
               <a:rPr lang="fr-FR" smtClean="0"/>
-              <a:t>01/09/2017</a:t>
+              <a:t>13/09/2017</a:t>
             </a:fld>
             <a:endParaRPr lang="fr-FR"/>
           </a:p>
@@ -2344,8 +2344,8 @@
         </p:nvSpPr>
         <p:spPr>
           <a:xfrm>
-            <a:off x="1792288" y="3478213"/>
-            <a:ext cx="5486400" cy="410622"/>
+            <a:off x="1792288" y="8443279"/>
+            <a:ext cx="5486400" cy="996776"/>
           </a:xfrm>
         </p:spPr>
         <p:txBody>
@@ -2376,8 +2376,8 @@
         </p:nvSpPr>
         <p:spPr>
           <a:xfrm>
-            <a:off x="1792288" y="443978"/>
-            <a:ext cx="5486400" cy="2981325"/>
+            <a:off x="1792288" y="1077748"/>
+            <a:ext cx="5486400" cy="7237095"/>
           </a:xfrm>
         </p:spPr>
         <p:txBody>
@@ -2437,8 +2437,8 @@
         </p:nvSpPr>
         <p:spPr>
           <a:xfrm>
-            <a:off x="1792288" y="3888837"/>
-            <a:ext cx="5486400" cy="583152"/>
+            <a:off x="1792288" y="9440060"/>
+            <a:ext cx="5486400" cy="1415587"/>
           </a:xfrm>
         </p:spPr>
         <p:txBody>
@@ -2507,7 +2507,7 @@
           <a:p>
             <a:fld id="{3188249C-4BA3-4338-8D91-035235D4C769}" type="datetimeFigureOut">
               <a:rPr lang="fr-FR" smtClean="0"/>
-              <a:t>01/09/2017</a:t>
+              <a:t>13/09/2017</a:t>
             </a:fld>
             <a:endParaRPr lang="fr-FR"/>
           </a:p>
@@ -2602,8 +2602,8 @@
         </p:nvSpPr>
         <p:spPr>
           <a:xfrm>
-            <a:off x="457200" y="198985"/>
-            <a:ext cx="8229600" cy="828147"/>
+            <a:off x="457200" y="483034"/>
+            <a:ext cx="8229600" cy="2010308"/>
           </a:xfrm>
           <a:prstGeom prst="rect">
             <a:avLst/>
@@ -2635,8 +2635,8 @@
         </p:nvSpPr>
         <p:spPr>
           <a:xfrm>
-            <a:off x="457200" y="1159407"/>
-            <a:ext cx="8229600" cy="3279227"/>
+            <a:off x="457200" y="2814435"/>
+            <a:ext cx="8229600" cy="7960245"/>
           </a:xfrm>
           <a:prstGeom prst="rect">
             <a:avLst/>
@@ -2697,8 +2697,8 @@
         </p:nvSpPr>
         <p:spPr>
           <a:xfrm>
-            <a:off x="457200" y="4605412"/>
-            <a:ext cx="2133600" cy="264547"/>
+            <a:off x="457200" y="11179530"/>
+            <a:ext cx="2133600" cy="642181"/>
           </a:xfrm>
           <a:prstGeom prst="rect">
             <a:avLst/>
@@ -2720,7 +2720,7 @@
           <a:p>
             <a:fld id="{3188249C-4BA3-4338-8D91-035235D4C769}" type="datetimeFigureOut">
               <a:rPr lang="fr-FR" smtClean="0"/>
-              <a:t>01/09/2017</a:t>
+              <a:t>13/09/2017</a:t>
             </a:fld>
             <a:endParaRPr lang="fr-FR"/>
           </a:p>
@@ -2738,8 +2738,8 @@
         </p:nvSpPr>
         <p:spPr>
           <a:xfrm>
-            <a:off x="3124200" y="4605412"/>
-            <a:ext cx="2895600" cy="264547"/>
+            <a:off x="3124200" y="11179530"/>
+            <a:ext cx="2895600" cy="642181"/>
           </a:xfrm>
           <a:prstGeom prst="rect">
             <a:avLst/>
@@ -2775,8 +2775,8 @@
         </p:nvSpPr>
         <p:spPr>
           <a:xfrm>
-            <a:off x="6553200" y="4605412"/>
-            <a:ext cx="2133600" cy="264547"/>
+            <a:off x="6553200" y="11179530"/>
+            <a:ext cx="2133600" cy="642181"/>
           </a:xfrm>
           <a:prstGeom prst="rect">
             <a:avLst/>
@@ -3095,104 +3095,153 @@
           <a:chExt cx="0" cy="0"/>
         </a:xfrm>
       </p:grpSpPr>
-      <p:graphicFrame>
-        <p:nvGraphicFramePr>
-          <p:cNvPr id="47" name="Objet 46"/>
-          <p:cNvGraphicFramePr>
-            <a:graphicFrameLocks noChangeAspect="1"/>
-          </p:cNvGraphicFramePr>
-          <p:nvPr>
-            <p:extLst>
-              <p:ext uri="{D42A27DB-BD31-4B8C-83A1-F6EECF244321}">
-                <p14:modId xmlns:p14="http://schemas.microsoft.com/office/powerpoint/2010/main" val="494615174"/>
-              </p:ext>
-            </p:extLst>
-          </p:nvPr>
-        </p:nvGraphicFramePr>
-        <p:xfrm>
-          <a:off x="6950645" y="365001"/>
-          <a:ext cx="2301875" cy="1903412"/>
-        </p:xfrm>
-        <a:graphic>
-          <a:graphicData uri="http://schemas.openxmlformats.org/presentationml/2006/ole">
-            <mc:AlternateContent xmlns:mc="http://schemas.openxmlformats.org/markup-compatibility/2006">
-              <mc:Choice xmlns:v="urn:schemas-microsoft-com:vml" Requires="v">
-                <p:oleObj spid="_x0000_s1041" name="Drawing" r:id="rId3" imgW="1757160" imgH="1453320" progId="Canvas.Drawing.6">
-                  <p:embed/>
-                </p:oleObj>
-              </mc:Choice>
-              <mc:Fallback>
-                <p:oleObj name="Drawing" r:id="rId3" imgW="1757160" imgH="1453320" progId="Canvas.Drawing.6">
-                  <p:embed/>
-                  <p:pic>
-                    <p:nvPicPr>
-                      <p:cNvPr id="0" name=""/>
-                      <p:cNvPicPr>
-                        <a:picLocks noChangeAspect="1" noChangeArrowheads="1"/>
-                      </p:cNvPicPr>
-                      <p:nvPr/>
-                    </p:nvPicPr>
-                    <p:blipFill>
-                      <a:blip r:embed="rId4">
-                        <a:extLst>
-                          <a:ext uri="{28A0092B-C50C-407E-A947-70E740481C1C}">
-                            <a14:useLocalDpi xmlns:a14="http://schemas.microsoft.com/office/drawing/2010/main" val="0"/>
-                          </a:ext>
-                        </a:extLst>
-                      </a:blip>
-                      <a:srcRect/>
-                      <a:stretch>
-                        <a:fillRect/>
-                      </a:stretch>
-                    </p:blipFill>
-                    <p:spPr bwMode="auto">
-                      <a:xfrm>
-                        <a:off x="6950645" y="365001"/>
-                        <a:ext cx="2301875" cy="1903412"/>
-                      </a:xfrm>
-                      <a:prstGeom prst="rect">
-                        <a:avLst/>
-                      </a:prstGeom>
-                      <a:noFill/>
-                      <a:ln>
-                        <a:noFill/>
-                      </a:ln>
-                      <a:extLst>
-                        <a:ext uri="{909E8E84-426E-40DD-AFC4-6F175D3DCCD1}">
-                          <a14:hiddenFill xmlns:a14="http://schemas.microsoft.com/office/drawing/2010/main">
-                            <a:solidFill>
-                              <a:srgbClr val="FFFFFF"/>
-                            </a:solidFill>
-                          </a14:hiddenFill>
-                        </a:ext>
-                        <a:ext uri="{91240B29-F687-4F45-9708-019B960494DF}">
-                          <a14:hiddenLine xmlns:a14="http://schemas.microsoft.com/office/drawing/2010/main" w="9525">
-                            <a:solidFill>
-                              <a:srgbClr val="000000"/>
-                            </a:solidFill>
-                            <a:miter lim="800000"/>
-                            <a:headEnd/>
-                            <a:tailEnd/>
-                          </a14:hiddenLine>
-                        </a:ext>
-                      </a:extLst>
-                    </p:spPr>
-                  </p:pic>
-                </p:oleObj>
-              </mc:Fallback>
-            </mc:AlternateContent>
-          </a:graphicData>
-        </a:graphic>
-      </p:graphicFrame>
       <p:pic>
         <p:nvPicPr>
-          <p:cNvPr id="46" name="Image 45"/>
+          <p:cNvPr id="81" name="Image 80"/>
           <p:cNvPicPr>
             <a:picLocks noChangeAspect="1"/>
           </p:cNvPicPr>
           <p:nvPr/>
         </p:nvPicPr>
-        <p:blipFill rotWithShape="1">
+        <p:blipFill>
+          <a:blip r:embed="rId2">
+            <a:extLst>
+              <a:ext uri="{28A0092B-C50C-407E-A947-70E740481C1C}">
+                <a14:useLocalDpi xmlns:a14="http://schemas.microsoft.com/office/drawing/2010/main" val="0"/>
+              </a:ext>
+            </a:extLst>
+          </a:blip>
+          <a:stretch>
+            <a:fillRect/>
+          </a:stretch>
+        </p:blipFill>
+        <p:spPr>
+          <a:xfrm>
+            <a:off x="21580" y="75"/>
+            <a:ext cx="9144000" cy="3466584"/>
+          </a:xfrm>
+          <a:prstGeom prst="rect">
+            <a:avLst/>
+          </a:prstGeom>
+        </p:spPr>
+      </p:pic>
+      <p:pic>
+        <p:nvPicPr>
+          <p:cNvPr id="82" name="Picture 23"/>
+          <p:cNvPicPr>
+            <a:picLocks noChangeAspect="1" noChangeArrowheads="1"/>
+          </p:cNvPicPr>
+          <p:nvPr/>
+        </p:nvPicPr>
+        <p:blipFill>
+          <a:blip r:embed="rId3">
+            <a:extLst>
+              <a:ext uri="{28A0092B-C50C-407E-A947-70E740481C1C}">
+                <a14:useLocalDpi xmlns:a14="http://schemas.microsoft.com/office/drawing/2010/main" val="0"/>
+              </a:ext>
+            </a:extLst>
+          </a:blip>
+          <a:srcRect/>
+          <a:stretch>
+            <a:fillRect/>
+          </a:stretch>
+        </p:blipFill>
+        <p:spPr bwMode="auto">
+          <a:xfrm>
+            <a:off x="-324544" y="3435936"/>
+            <a:ext cx="9846000" cy="3260883"/>
+          </a:xfrm>
+          <a:prstGeom prst="rect">
+            <a:avLst/>
+          </a:prstGeom>
+          <a:noFill/>
+          <a:ln>
+            <a:noFill/>
+          </a:ln>
+          <a:extLst>
+            <a:ext uri="{909E8E84-426E-40DD-AFC4-6F175D3DCCD1}">
+              <a14:hiddenFill xmlns:a14="http://schemas.microsoft.com/office/drawing/2010/main">
+                <a:solidFill>
+                  <a:schemeClr val="accent1"/>
+                </a:solidFill>
+              </a14:hiddenFill>
+            </a:ext>
+            <a:ext uri="{91240B29-F687-4F45-9708-019B960494DF}">
+              <a14:hiddenLine xmlns:a14="http://schemas.microsoft.com/office/drawing/2010/main" w="9525">
+                <a:solidFill>
+                  <a:schemeClr val="tx1"/>
+                </a:solidFill>
+                <a:miter lim="800000"/>
+                <a:headEnd/>
+                <a:tailEnd/>
+              </a14:hiddenLine>
+            </a:ext>
+          </a:extLst>
+        </p:spPr>
+      </p:pic>
+      <p:pic>
+        <p:nvPicPr>
+          <p:cNvPr id="83" name="Picture 26"/>
+          <p:cNvPicPr>
+            <a:picLocks noChangeAspect="1" noChangeArrowheads="1"/>
+          </p:cNvPicPr>
+          <p:nvPr/>
+        </p:nvPicPr>
+        <p:blipFill>
+          <a:blip r:embed="rId4">
+            <a:extLst>
+              <a:ext uri="{28A0092B-C50C-407E-A947-70E740481C1C}">
+                <a14:useLocalDpi xmlns:a14="http://schemas.microsoft.com/office/drawing/2010/main" val="0"/>
+              </a:ext>
+            </a:extLst>
+          </a:blip>
+          <a:srcRect/>
+          <a:stretch>
+            <a:fillRect/>
+          </a:stretch>
+        </p:blipFill>
+        <p:spPr bwMode="auto">
+          <a:xfrm>
+            <a:off x="-320420" y="6163111"/>
+            <a:ext cx="9864000" cy="3276365"/>
+          </a:xfrm>
+          <a:prstGeom prst="rect">
+            <a:avLst/>
+          </a:prstGeom>
+          <a:noFill/>
+          <a:ln>
+            <a:noFill/>
+          </a:ln>
+          <a:extLst>
+            <a:ext uri="{909E8E84-426E-40DD-AFC4-6F175D3DCCD1}">
+              <a14:hiddenFill xmlns:a14="http://schemas.microsoft.com/office/drawing/2010/main">
+                <a:solidFill>
+                  <a:schemeClr val="accent1"/>
+                </a:solidFill>
+              </a14:hiddenFill>
+            </a:ext>
+            <a:ext uri="{91240B29-F687-4F45-9708-019B960494DF}">
+              <a14:hiddenLine xmlns:a14="http://schemas.microsoft.com/office/drawing/2010/main" w="9525">
+                <a:solidFill>
+                  <a:schemeClr val="tx1"/>
+                </a:solidFill>
+                <a:miter lim="800000"/>
+                <a:headEnd/>
+                <a:tailEnd/>
+              </a14:hiddenLine>
+            </a:ext>
+          </a:extLst>
+        </p:spPr>
+      </p:pic>
+      <p:pic>
+        <p:nvPicPr>
+          <p:cNvPr id="84" name="Picture 27"/>
+          <p:cNvPicPr>
+            <a:picLocks noChangeAspect="1" noChangeArrowheads="1"/>
+          </p:cNvPicPr>
+          <p:nvPr/>
+        </p:nvPicPr>
+        <p:blipFill>
           <a:blip r:embed="rId5">
             <a:extLst>
               <a:ext uri="{28A0092B-C50C-407E-A947-70E740481C1C}">
@@ -3200,29 +3249,54 @@
               </a:ext>
             </a:extLst>
           </a:blip>
-          <a:srcRect l="4514" t="13191" r="19930" b="35919"/>
-          <a:stretch/>
+          <a:srcRect/>
+          <a:stretch>
+            <a:fillRect/>
+          </a:stretch>
         </p:blipFill>
-        <p:spPr>
+        <p:spPr bwMode="auto">
           <a:xfrm>
-            <a:off x="-36512" y="44624"/>
-            <a:ext cx="6908800" cy="2616200"/>
+            <a:off x="-320420" y="8855910"/>
+            <a:ext cx="9846000" cy="3260883"/>
           </a:xfrm>
           <a:prstGeom prst="rect">
             <a:avLst/>
           </a:prstGeom>
+          <a:noFill/>
+          <a:ln>
+            <a:noFill/>
+          </a:ln>
+          <a:extLst>
+            <a:ext uri="{909E8E84-426E-40DD-AFC4-6F175D3DCCD1}">
+              <a14:hiddenFill xmlns:a14="http://schemas.microsoft.com/office/drawing/2010/main">
+                <a:solidFill>
+                  <a:schemeClr val="accent1"/>
+                </a:solidFill>
+              </a14:hiddenFill>
+            </a:ext>
+            <a:ext uri="{91240B29-F687-4F45-9708-019B960494DF}">
+              <a14:hiddenLine xmlns:a14="http://schemas.microsoft.com/office/drawing/2010/main" w="9525">
+                <a:solidFill>
+                  <a:schemeClr val="tx1"/>
+                </a:solidFill>
+                <a:miter lim="800000"/>
+                <a:headEnd/>
+                <a:tailEnd/>
+              </a14:hiddenLine>
+            </a:ext>
+          </a:extLst>
         </p:spPr>
       </p:pic>
       <p:sp>
         <p:nvSpPr>
-          <p:cNvPr id="48" name="ZoneTexte 47"/>
+          <p:cNvPr id="85" name="ZoneTexte 84"/>
           <p:cNvSpPr txBox="1"/>
           <p:nvPr/>
         </p:nvSpPr>
         <p:spPr>
           <a:xfrm>
-            <a:off x="-36512" y="-27384"/>
-            <a:ext cx="365806" cy="369332"/>
+            <a:off x="-36982" y="-71933"/>
+            <a:ext cx="526106" cy="461665"/>
           </a:xfrm>
           <a:prstGeom prst="rect">
             <a:avLst/>
@@ -3236,29 +3310,29 @@
           <a:lstStyle/>
           <a:p>
             <a:r>
-              <a:rPr lang="fr-FR" dirty="0" smtClean="0">
-                <a:latin typeface="Times New Roman" pitchFamily="18" charset="0"/>
-                <a:cs typeface="Times New Roman" pitchFamily="18" charset="0"/>
+              <a:rPr lang="fr-FR" sz="2400" dirty="0" smtClean="0">
+                <a:latin typeface="Times New Roman" panose="02020603050405020304" pitchFamily="18" charset="0"/>
+                <a:cs typeface="Times New Roman" panose="02020603050405020304" pitchFamily="18" charset="0"/>
               </a:rPr>
-              <a:t>a)</a:t>
-            </a:r>
-            <a:endParaRPr lang="fr-FR" dirty="0">
-              <a:latin typeface="Times New Roman" pitchFamily="18" charset="0"/>
-              <a:cs typeface="Times New Roman" pitchFamily="18" charset="0"/>
+              <a:t>(a)</a:t>
+            </a:r>
+            <a:endParaRPr lang="fr-FR" sz="2400" dirty="0">
+              <a:latin typeface="Times New Roman" panose="02020603050405020304" pitchFamily="18" charset="0"/>
+              <a:cs typeface="Times New Roman" panose="02020603050405020304" pitchFamily="18" charset="0"/>
             </a:endParaRPr>
           </a:p>
         </p:txBody>
       </p:sp>
       <p:sp>
         <p:nvSpPr>
-          <p:cNvPr id="49" name="ZoneTexte 48"/>
+          <p:cNvPr id="86" name="ZoneTexte 85"/>
           <p:cNvSpPr txBox="1"/>
           <p:nvPr/>
         </p:nvSpPr>
         <p:spPr>
           <a:xfrm>
-            <a:off x="7019954" y="203383"/>
-            <a:ext cx="364202" cy="369332"/>
+            <a:off x="-36982" y="3354834"/>
+            <a:ext cx="543739" cy="461665"/>
           </a:xfrm>
           <a:prstGeom prst="rect">
             <a:avLst/>
@@ -3272,1148 +3346,15 @@
           <a:lstStyle/>
           <a:p>
             <a:r>
-              <a:rPr lang="fr-FR" dirty="0">
-                <a:latin typeface="Times New Roman" pitchFamily="18" charset="0"/>
-                <a:cs typeface="Times New Roman" pitchFamily="18" charset="0"/>
-              </a:rPr>
-              <a:t>c</a:t>
-            </a:r>
-            <a:r>
-              <a:rPr lang="fr-FR" dirty="0" smtClean="0">
-                <a:latin typeface="Times New Roman" pitchFamily="18" charset="0"/>
-                <a:cs typeface="Times New Roman" pitchFamily="18" charset="0"/>
-              </a:rPr>
-              <a:t>)</a:t>
-            </a:r>
-            <a:endParaRPr lang="fr-FR" dirty="0">
-              <a:latin typeface="Times New Roman" pitchFamily="18" charset="0"/>
-              <a:cs typeface="Times New Roman" pitchFamily="18" charset="0"/>
-            </a:endParaRPr>
-          </a:p>
-        </p:txBody>
-      </p:sp>
-      <p:pic>
-        <p:nvPicPr>
-          <p:cNvPr id="50" name="Image 49"/>
-          <p:cNvPicPr>
-            <a:picLocks noChangeAspect="1"/>
-          </p:cNvPicPr>
-          <p:nvPr/>
-        </p:nvPicPr>
-        <p:blipFill rotWithShape="1">
-          <a:blip r:embed="rId6">
-            <a:extLst>
-              <a:ext uri="{28A0092B-C50C-407E-A947-70E740481C1C}">
-                <a14:useLocalDpi xmlns:a14="http://schemas.microsoft.com/office/drawing/2010/main" val="0"/>
-              </a:ext>
-            </a:extLst>
-          </a:blip>
-          <a:srcRect l="5937" t="38328" r="19583" b="17762"/>
-          <a:stretch/>
-        </p:blipFill>
-        <p:spPr>
-          <a:xfrm>
-            <a:off x="97192" y="2708920"/>
-            <a:ext cx="6810376" cy="2257425"/>
-          </a:xfrm>
-          <a:prstGeom prst="rect">
-            <a:avLst/>
-          </a:prstGeom>
-        </p:spPr>
-      </p:pic>
-      <p:sp>
-        <p:nvSpPr>
-          <p:cNvPr id="51" name="ZoneTexte 50"/>
-          <p:cNvSpPr txBox="1"/>
-          <p:nvPr/>
-        </p:nvSpPr>
-        <p:spPr>
-          <a:xfrm>
-            <a:off x="-36512" y="2555612"/>
-            <a:ext cx="377026" cy="369332"/>
-          </a:xfrm>
-          <a:prstGeom prst="rect">
-            <a:avLst/>
-          </a:prstGeom>
-          <a:noFill/>
-        </p:spPr>
-        <p:txBody>
-          <a:bodyPr wrap="none" rtlCol="0">
-            <a:spAutoFit/>
-          </a:bodyPr>
-          <a:lstStyle/>
-          <a:p>
-            <a:r>
-              <a:rPr lang="fr-FR" dirty="0" smtClean="0">
-                <a:latin typeface="Times New Roman" pitchFamily="18" charset="0"/>
-                <a:cs typeface="Times New Roman" pitchFamily="18" charset="0"/>
-              </a:rPr>
-              <a:t>b)</a:t>
-            </a:r>
-            <a:endParaRPr lang="fr-FR" dirty="0">
-              <a:latin typeface="Times New Roman" pitchFamily="18" charset="0"/>
-              <a:cs typeface="Times New Roman" pitchFamily="18" charset="0"/>
-            </a:endParaRPr>
-          </a:p>
-        </p:txBody>
-      </p:sp>
-      <p:grpSp>
-        <p:nvGrpSpPr>
-          <p:cNvPr id="8" name="Groupe 7"/>
-          <p:cNvGrpSpPr>
-            <a:grpSpLocks noChangeAspect="1"/>
-          </p:cNvGrpSpPr>
-          <p:nvPr/>
-        </p:nvGrpSpPr>
-        <p:grpSpPr>
-          <a:xfrm>
-            <a:off x="6732240" y="3252212"/>
-            <a:ext cx="2373801" cy="1104433"/>
-            <a:chOff x="4660717" y="4709567"/>
-            <a:chExt cx="4281803" cy="2031801"/>
-          </a:xfrm>
-        </p:grpSpPr>
-        <p:sp>
-          <p:nvSpPr>
-            <p:cNvPr id="9" name="Rectangle 8"/>
-            <p:cNvSpPr/>
-            <p:nvPr/>
-          </p:nvSpPr>
-          <p:spPr>
-            <a:xfrm>
-              <a:off x="5846176" y="5877272"/>
-              <a:ext cx="2232248" cy="441920"/>
-            </a:xfrm>
-            <a:prstGeom prst="rect">
-              <a:avLst/>
-            </a:prstGeom>
-            <a:solidFill>
-              <a:srgbClr val="0066CC"/>
-            </a:solidFill>
-            <a:ln>
-              <a:noFill/>
-            </a:ln>
-          </p:spPr>
-          <p:style>
-            <a:lnRef idx="2">
-              <a:schemeClr val="accent1">
-                <a:shade val="50000"/>
-              </a:schemeClr>
-            </a:lnRef>
-            <a:fillRef idx="1">
-              <a:schemeClr val="accent1"/>
-            </a:fillRef>
-            <a:effectRef idx="0">
-              <a:schemeClr val="accent1"/>
-            </a:effectRef>
-            <a:fontRef idx="minor">
-              <a:schemeClr val="lt1"/>
-            </a:fontRef>
-          </p:style>
-          <p:txBody>
-            <a:bodyPr rtlCol="0" anchor="ctr"/>
-            <a:lstStyle/>
-            <a:p>
-              <a:pPr algn="ctr"/>
-              <a:endParaRPr lang="en-US"/>
-            </a:p>
-          </p:txBody>
-        </p:sp>
-        <p:sp>
-          <p:nvSpPr>
-            <p:cNvPr id="10" name="Rectangle 9"/>
-            <p:cNvSpPr/>
-            <p:nvPr/>
-          </p:nvSpPr>
-          <p:spPr>
-            <a:xfrm>
-              <a:off x="5846176" y="5615529"/>
-              <a:ext cx="2232248" cy="45719"/>
-            </a:xfrm>
-            <a:prstGeom prst="rect">
-              <a:avLst/>
-            </a:prstGeom>
-            <a:solidFill>
-              <a:srgbClr val="FF0000"/>
-            </a:solidFill>
-            <a:ln>
-              <a:noFill/>
-            </a:ln>
-          </p:spPr>
-          <p:style>
-            <a:lnRef idx="2">
-              <a:schemeClr val="accent1">
-                <a:shade val="50000"/>
-              </a:schemeClr>
-            </a:lnRef>
-            <a:fillRef idx="1">
-              <a:schemeClr val="accent1"/>
-            </a:fillRef>
-            <a:effectRef idx="0">
-              <a:schemeClr val="accent1"/>
-            </a:effectRef>
-            <a:fontRef idx="minor">
-              <a:schemeClr val="lt1"/>
-            </a:fontRef>
-          </p:style>
-          <p:txBody>
-            <a:bodyPr rtlCol="0" anchor="ctr"/>
-            <a:lstStyle/>
-            <a:p>
-              <a:pPr algn="ctr"/>
-              <a:endParaRPr lang="en-US"/>
-            </a:p>
-          </p:txBody>
-        </p:sp>
-        <p:sp>
-          <p:nvSpPr>
-            <p:cNvPr id="11" name="Ellipse 10"/>
-            <p:cNvSpPr/>
-            <p:nvPr/>
-          </p:nvSpPr>
-          <p:spPr>
-            <a:xfrm>
-              <a:off x="5950692" y="5517232"/>
-              <a:ext cx="216024" cy="144016"/>
-            </a:xfrm>
-            <a:prstGeom prst="ellipse">
-              <a:avLst/>
-            </a:prstGeom>
-            <a:solidFill>
-              <a:srgbClr val="FF0000"/>
-            </a:solidFill>
-            <a:ln>
-              <a:noFill/>
-            </a:ln>
-          </p:spPr>
-          <p:style>
-            <a:lnRef idx="2">
-              <a:schemeClr val="accent1">
-                <a:shade val="50000"/>
-              </a:schemeClr>
-            </a:lnRef>
-            <a:fillRef idx="1">
-              <a:schemeClr val="accent1"/>
-            </a:fillRef>
-            <a:effectRef idx="0">
-              <a:schemeClr val="accent1"/>
-            </a:effectRef>
-            <a:fontRef idx="minor">
-              <a:schemeClr val="lt1"/>
-            </a:fontRef>
-          </p:style>
-          <p:txBody>
-            <a:bodyPr rtlCol="0" anchor="ctr"/>
-            <a:lstStyle/>
-            <a:p>
-              <a:pPr algn="ctr"/>
-              <a:endParaRPr lang="en-US"/>
-            </a:p>
-          </p:txBody>
-        </p:sp>
-        <p:sp>
-          <p:nvSpPr>
-            <p:cNvPr id="12" name="Ellipse 11"/>
-            <p:cNvSpPr/>
-            <p:nvPr/>
-          </p:nvSpPr>
-          <p:spPr>
-            <a:xfrm>
-              <a:off x="6350232" y="5517232"/>
-              <a:ext cx="216024" cy="144016"/>
-            </a:xfrm>
-            <a:prstGeom prst="ellipse">
-              <a:avLst/>
-            </a:prstGeom>
-            <a:solidFill>
-              <a:srgbClr val="FF0000"/>
-            </a:solidFill>
-            <a:ln>
-              <a:noFill/>
-            </a:ln>
-          </p:spPr>
-          <p:style>
-            <a:lnRef idx="2">
-              <a:schemeClr val="accent1">
-                <a:shade val="50000"/>
-              </a:schemeClr>
-            </a:lnRef>
-            <a:fillRef idx="1">
-              <a:schemeClr val="accent1"/>
-            </a:fillRef>
-            <a:effectRef idx="0">
-              <a:schemeClr val="accent1"/>
-            </a:effectRef>
-            <a:fontRef idx="minor">
-              <a:schemeClr val="lt1"/>
-            </a:fontRef>
-          </p:style>
-          <p:txBody>
-            <a:bodyPr rtlCol="0" anchor="ctr"/>
-            <a:lstStyle/>
-            <a:p>
-              <a:pPr algn="ctr"/>
-              <a:endParaRPr lang="en-US"/>
-            </a:p>
-          </p:txBody>
-        </p:sp>
-        <p:sp>
-          <p:nvSpPr>
-            <p:cNvPr id="13" name="Ellipse 12"/>
-            <p:cNvSpPr/>
-            <p:nvPr/>
-          </p:nvSpPr>
-          <p:spPr>
-            <a:xfrm>
-              <a:off x="6638264" y="5517232"/>
-              <a:ext cx="216024" cy="144016"/>
-            </a:xfrm>
-            <a:prstGeom prst="ellipse">
-              <a:avLst/>
-            </a:prstGeom>
-            <a:solidFill>
-              <a:srgbClr val="FF0000"/>
-            </a:solidFill>
-            <a:ln>
-              <a:noFill/>
-            </a:ln>
-          </p:spPr>
-          <p:style>
-            <a:lnRef idx="2">
-              <a:schemeClr val="accent1">
-                <a:shade val="50000"/>
-              </a:schemeClr>
-            </a:lnRef>
-            <a:fillRef idx="1">
-              <a:schemeClr val="accent1"/>
-            </a:fillRef>
-            <a:effectRef idx="0">
-              <a:schemeClr val="accent1"/>
-            </a:effectRef>
-            <a:fontRef idx="minor">
-              <a:schemeClr val="lt1"/>
-            </a:fontRef>
-          </p:style>
-          <p:txBody>
-            <a:bodyPr rtlCol="0" anchor="ctr"/>
-            <a:lstStyle/>
-            <a:p>
-              <a:pPr algn="ctr"/>
-              <a:endParaRPr lang="en-US"/>
-            </a:p>
-          </p:txBody>
-        </p:sp>
-        <p:sp>
-          <p:nvSpPr>
-            <p:cNvPr id="14" name="Ellipse 13"/>
-            <p:cNvSpPr/>
-            <p:nvPr/>
-          </p:nvSpPr>
-          <p:spPr>
-            <a:xfrm>
-              <a:off x="7214328" y="5517232"/>
-              <a:ext cx="216024" cy="144016"/>
-            </a:xfrm>
-            <a:prstGeom prst="ellipse">
-              <a:avLst/>
-            </a:prstGeom>
-            <a:solidFill>
-              <a:srgbClr val="FF0000"/>
-            </a:solidFill>
-            <a:ln>
-              <a:noFill/>
-            </a:ln>
-          </p:spPr>
-          <p:style>
-            <a:lnRef idx="2">
-              <a:schemeClr val="accent1">
-                <a:shade val="50000"/>
-              </a:schemeClr>
-            </a:lnRef>
-            <a:fillRef idx="1">
-              <a:schemeClr val="accent1"/>
-            </a:fillRef>
-            <a:effectRef idx="0">
-              <a:schemeClr val="accent1"/>
-            </a:effectRef>
-            <a:fontRef idx="minor">
-              <a:schemeClr val="lt1"/>
-            </a:fontRef>
-          </p:style>
-          <p:txBody>
-            <a:bodyPr rtlCol="0" anchor="ctr"/>
-            <a:lstStyle/>
-            <a:p>
-              <a:pPr algn="ctr"/>
-              <a:endParaRPr lang="en-US"/>
-            </a:p>
-          </p:txBody>
-        </p:sp>
-        <p:sp>
-          <p:nvSpPr>
-            <p:cNvPr id="15" name="Ellipse 14"/>
-            <p:cNvSpPr/>
-            <p:nvPr/>
-          </p:nvSpPr>
-          <p:spPr>
-            <a:xfrm>
-              <a:off x="7790392" y="5517232"/>
-              <a:ext cx="216024" cy="144016"/>
-            </a:xfrm>
-            <a:prstGeom prst="ellipse">
-              <a:avLst/>
-            </a:prstGeom>
-            <a:solidFill>
-              <a:srgbClr val="FF0000"/>
-            </a:solidFill>
-            <a:ln>
-              <a:noFill/>
-            </a:ln>
-          </p:spPr>
-          <p:style>
-            <a:lnRef idx="2">
-              <a:schemeClr val="accent1">
-                <a:shade val="50000"/>
-              </a:schemeClr>
-            </a:lnRef>
-            <a:fillRef idx="1">
-              <a:schemeClr val="accent1"/>
-            </a:fillRef>
-            <a:effectRef idx="0">
-              <a:schemeClr val="accent1"/>
-            </a:effectRef>
-            <a:fontRef idx="minor">
-              <a:schemeClr val="lt1"/>
-            </a:fontRef>
-          </p:style>
-          <p:txBody>
-            <a:bodyPr rtlCol="0" anchor="ctr"/>
-            <a:lstStyle/>
-            <a:p>
-              <a:pPr algn="ctr"/>
-              <a:endParaRPr lang="en-US"/>
-            </a:p>
-          </p:txBody>
-        </p:sp>
-        <p:sp>
-          <p:nvSpPr>
-            <p:cNvPr id="16" name="Rectangle 15"/>
-            <p:cNvSpPr/>
-            <p:nvPr/>
-          </p:nvSpPr>
-          <p:spPr>
-            <a:xfrm>
-              <a:off x="5846176" y="5327497"/>
-              <a:ext cx="2232248" cy="45719"/>
-            </a:xfrm>
-            <a:prstGeom prst="rect">
-              <a:avLst/>
-            </a:prstGeom>
-            <a:solidFill>
-              <a:srgbClr val="FFFF00"/>
-            </a:solidFill>
-            <a:ln>
-              <a:noFill/>
-            </a:ln>
-          </p:spPr>
-          <p:style>
-            <a:lnRef idx="2">
-              <a:schemeClr val="accent1">
-                <a:shade val="50000"/>
-              </a:schemeClr>
-            </a:lnRef>
-            <a:fillRef idx="1">
-              <a:schemeClr val="accent1"/>
-            </a:fillRef>
-            <a:effectRef idx="0">
-              <a:schemeClr val="accent1"/>
-            </a:effectRef>
-            <a:fontRef idx="minor">
-              <a:schemeClr val="lt1"/>
-            </a:fontRef>
-          </p:style>
-          <p:txBody>
-            <a:bodyPr rtlCol="0" anchor="ctr"/>
-            <a:lstStyle/>
-            <a:p>
-              <a:pPr algn="ctr"/>
-              <a:endParaRPr lang="en-US"/>
-            </a:p>
-          </p:txBody>
-        </p:sp>
-        <p:cxnSp>
-          <p:nvCxnSpPr>
-            <p:cNvPr id="17" name="Connecteur droit 16"/>
-            <p:cNvCxnSpPr/>
-            <p:nvPr/>
-          </p:nvCxnSpPr>
-          <p:spPr>
-            <a:xfrm flipV="1">
-              <a:off x="5835948" y="5374170"/>
-              <a:ext cx="10228" cy="945022"/>
-            </a:xfrm>
-            <a:prstGeom prst="line">
-              <a:avLst/>
-            </a:prstGeom>
-          </p:spPr>
-          <p:style>
-            <a:lnRef idx="1">
-              <a:schemeClr val="accent2"/>
-            </a:lnRef>
-            <a:fillRef idx="0">
-              <a:schemeClr val="accent2"/>
-            </a:fillRef>
-            <a:effectRef idx="0">
-              <a:schemeClr val="accent2"/>
-            </a:effectRef>
-            <a:fontRef idx="minor">
-              <a:schemeClr val="tx1"/>
-            </a:fontRef>
-          </p:style>
-        </p:cxnSp>
-        <p:cxnSp>
-          <p:nvCxnSpPr>
-            <p:cNvPr id="18" name="Connecteur droit 17"/>
-            <p:cNvCxnSpPr/>
-            <p:nvPr/>
-          </p:nvCxnSpPr>
-          <p:spPr>
-            <a:xfrm flipV="1">
-              <a:off x="8078425" y="5371313"/>
-              <a:ext cx="0" cy="947879"/>
-            </a:xfrm>
-            <a:prstGeom prst="line">
-              <a:avLst/>
-            </a:prstGeom>
-          </p:spPr>
-          <p:style>
-            <a:lnRef idx="1">
-              <a:schemeClr val="accent2"/>
-            </a:lnRef>
-            <a:fillRef idx="0">
-              <a:schemeClr val="accent2"/>
-            </a:fillRef>
-            <a:effectRef idx="0">
-              <a:schemeClr val="accent2"/>
-            </a:effectRef>
-            <a:fontRef idx="minor">
-              <a:schemeClr val="tx1"/>
-            </a:fontRef>
-          </p:style>
-        </p:cxnSp>
-        <p:cxnSp>
-          <p:nvCxnSpPr>
-            <p:cNvPr id="19" name="Connecteur droit 18"/>
-            <p:cNvCxnSpPr/>
-            <p:nvPr/>
-          </p:nvCxnSpPr>
-          <p:spPr>
-            <a:xfrm>
-              <a:off x="5846176" y="5373216"/>
-              <a:ext cx="2232248" cy="0"/>
-            </a:xfrm>
-            <a:prstGeom prst="line">
-              <a:avLst/>
-            </a:prstGeom>
-          </p:spPr>
-          <p:style>
-            <a:lnRef idx="1">
-              <a:schemeClr val="accent2"/>
-            </a:lnRef>
-            <a:fillRef idx="0">
-              <a:schemeClr val="accent2"/>
-            </a:fillRef>
-            <a:effectRef idx="0">
-              <a:schemeClr val="accent2"/>
-            </a:effectRef>
-            <a:fontRef idx="minor">
-              <a:schemeClr val="tx1"/>
-            </a:fontRef>
-          </p:style>
-        </p:cxnSp>
-        <p:sp>
-          <p:nvSpPr>
-            <p:cNvPr id="20" name="Rectangle 19"/>
-            <p:cNvSpPr/>
-            <p:nvPr/>
-          </p:nvSpPr>
-          <p:spPr>
-            <a:xfrm>
-              <a:off x="5776909" y="5901811"/>
-              <a:ext cx="697772" cy="294924"/>
-            </a:xfrm>
-            <a:prstGeom prst="rect">
-              <a:avLst/>
-            </a:prstGeom>
-          </p:spPr>
-          <p:txBody>
-            <a:bodyPr wrap="none">
-              <a:spAutoFit/>
-            </a:bodyPr>
-            <a:lstStyle/>
-            <a:p>
-              <a:r>
-                <a:rPr lang="en-US" sz="1200" dirty="0">
-                  <a:latin typeface="Times New Roman" panose="02020603050405020304" pitchFamily="18" charset="0"/>
-                  <a:cs typeface="Times New Roman" panose="02020603050405020304" pitchFamily="18" charset="0"/>
-                </a:rPr>
-                <a:t>p-</a:t>
-              </a:r>
-              <a:r>
-                <a:rPr lang="en-US" sz="1200" dirty="0" err="1">
-                  <a:latin typeface="Times New Roman" panose="02020603050405020304" pitchFamily="18" charset="0"/>
-                  <a:cs typeface="Times New Roman" panose="02020603050405020304" pitchFamily="18" charset="0"/>
-                </a:rPr>
-                <a:t>ZnTe</a:t>
-              </a:r>
-              <a:endParaRPr lang="en-US" sz="1200" dirty="0">
+              <a:rPr lang="fr-FR" sz="2400" dirty="0" smtClean="0">
                 <a:latin typeface="Times New Roman" panose="02020603050405020304" pitchFamily="18" charset="0"/>
                 <a:cs typeface="Times New Roman" panose="02020603050405020304" pitchFamily="18" charset="0"/>
-              </a:endParaRPr>
-            </a:p>
-          </p:txBody>
-        </p:sp>
-        <p:sp>
-          <p:nvSpPr>
-            <p:cNvPr id="21" name="Rectangle 20"/>
-            <p:cNvSpPr/>
-            <p:nvPr/>
-          </p:nvSpPr>
-          <p:spPr>
-            <a:xfrm>
-              <a:off x="5801493" y="5504396"/>
-              <a:ext cx="660909" cy="294924"/>
-            </a:xfrm>
-            <a:prstGeom prst="rect">
-              <a:avLst/>
-            </a:prstGeom>
-          </p:spPr>
-          <p:txBody>
-            <a:bodyPr wrap="none">
-              <a:spAutoFit/>
-            </a:bodyPr>
-            <a:lstStyle/>
-            <a:p>
-              <a:r>
-                <a:rPr lang="en-US" sz="1200" dirty="0" err="1" smtClean="0">
-                  <a:latin typeface="Times New Roman" panose="02020603050405020304" pitchFamily="18" charset="0"/>
-                  <a:cs typeface="Times New Roman" panose="02020603050405020304" pitchFamily="18" charset="0"/>
-                </a:rPr>
-                <a:t>i-ZnTe</a:t>
-              </a:r>
-              <a:endParaRPr lang="en-US" sz="1200" dirty="0">
-                <a:latin typeface="Times New Roman" panose="02020603050405020304" pitchFamily="18" charset="0"/>
-                <a:cs typeface="Times New Roman" panose="02020603050405020304" pitchFamily="18" charset="0"/>
-              </a:endParaRPr>
-            </a:p>
-          </p:txBody>
-        </p:sp>
-        <p:sp>
-          <p:nvSpPr>
-            <p:cNvPr id="22" name="Rectangle 21"/>
-            <p:cNvSpPr/>
-            <p:nvPr/>
-          </p:nvSpPr>
-          <p:spPr>
-            <a:xfrm>
-              <a:off x="4660717" y="4709567"/>
-              <a:ext cx="1554192" cy="509589"/>
-            </a:xfrm>
-            <a:prstGeom prst="rect">
-              <a:avLst/>
-            </a:prstGeom>
-          </p:spPr>
-          <p:txBody>
-            <a:bodyPr wrap="square">
-              <a:spAutoFit/>
-            </a:bodyPr>
-            <a:lstStyle/>
-            <a:p>
-              <a:r>
-                <a:rPr lang="en-US" sz="1200" dirty="0" smtClean="0">
-                  <a:latin typeface="Times New Roman" panose="02020603050405020304" pitchFamily="18" charset="0"/>
-                  <a:cs typeface="Times New Roman" panose="02020603050405020304" pitchFamily="18" charset="0"/>
-                </a:rPr>
-                <a:t>Au (</a:t>
-              </a:r>
-              <a:r>
-                <a:rPr lang="en-US" sz="1200" dirty="0">
-                  <a:latin typeface="Times New Roman" panose="02020603050405020304" pitchFamily="18" charset="0"/>
-                  <a:cs typeface="Times New Roman" panose="02020603050405020304" pitchFamily="18" charset="0"/>
-                </a:rPr>
-                <a:t>6 </a:t>
-              </a:r>
-              <a:r>
-                <a:rPr lang="en-US" sz="1200" dirty="0" smtClean="0">
-                  <a:latin typeface="Times New Roman" panose="02020603050405020304" pitchFamily="18" charset="0"/>
-                  <a:cs typeface="Times New Roman" panose="02020603050405020304" pitchFamily="18" charset="0"/>
-                </a:rPr>
-                <a:t>nm)</a:t>
-              </a:r>
-              <a:endParaRPr lang="en-US" sz="1200" dirty="0">
-                <a:latin typeface="Times New Roman" panose="02020603050405020304" pitchFamily="18" charset="0"/>
-                <a:cs typeface="Times New Roman" panose="02020603050405020304" pitchFamily="18" charset="0"/>
-              </a:endParaRPr>
-            </a:p>
-          </p:txBody>
-        </p:sp>
-        <p:pic>
-          <p:nvPicPr>
-            <p:cNvPr id="23" name="Image 22" descr="Image3.png"/>
-            <p:cNvPicPr>
-              <a:picLocks noChangeAspect="1"/>
-            </p:cNvPicPr>
-            <p:nvPr/>
-          </p:nvPicPr>
-          <p:blipFill>
-            <a:blip r:embed="rId7" cstate="print"/>
-            <a:srcRect b="48823"/>
-            <a:stretch>
-              <a:fillRect/>
-            </a:stretch>
-          </p:blipFill>
-          <p:spPr>
-            <a:xfrm>
-              <a:off x="5870644" y="4725144"/>
-              <a:ext cx="1919748" cy="602353"/>
-            </a:xfrm>
-            <a:prstGeom prst="rect">
-              <a:avLst/>
-            </a:prstGeom>
-          </p:spPr>
-        </p:pic>
-        <p:sp>
-          <p:nvSpPr>
-            <p:cNvPr id="24" name="Rectangle 23"/>
-            <p:cNvSpPr/>
-            <p:nvPr/>
-          </p:nvSpPr>
-          <p:spPr>
-            <a:xfrm>
-              <a:off x="6035596" y="4944529"/>
-              <a:ext cx="455022" cy="294924"/>
-            </a:xfrm>
-            <a:prstGeom prst="rect">
-              <a:avLst/>
-            </a:prstGeom>
-          </p:spPr>
-          <p:txBody>
-            <a:bodyPr wrap="none">
-              <a:spAutoFit/>
-            </a:bodyPr>
-            <a:lstStyle/>
-            <a:p>
-              <a:r>
-                <a:rPr lang="en-US" sz="1200" dirty="0" smtClean="0">
-                  <a:latin typeface="Times New Roman" panose="02020603050405020304" pitchFamily="18" charset="0"/>
-                  <a:cs typeface="Times New Roman" panose="02020603050405020304" pitchFamily="18" charset="0"/>
-                </a:rPr>
-                <a:t>SIL</a:t>
-              </a:r>
-              <a:endParaRPr lang="en-US" sz="1200" dirty="0">
-                <a:latin typeface="Times New Roman" panose="02020603050405020304" pitchFamily="18" charset="0"/>
-                <a:cs typeface="Times New Roman" panose="02020603050405020304" pitchFamily="18" charset="0"/>
-              </a:endParaRPr>
-            </a:p>
-          </p:txBody>
-        </p:sp>
-        <p:sp>
-          <p:nvSpPr>
-            <p:cNvPr id="25" name="Ellipse 24"/>
-            <p:cNvSpPr/>
-            <p:nvPr/>
-          </p:nvSpPr>
-          <p:spPr>
-            <a:xfrm>
-              <a:off x="8510473" y="5741021"/>
-              <a:ext cx="432047" cy="406282"/>
-            </a:xfrm>
-            <a:prstGeom prst="ellipse">
-              <a:avLst/>
-            </a:prstGeom>
-          </p:spPr>
-          <p:style>
-            <a:lnRef idx="2">
-              <a:schemeClr val="accent6"/>
-            </a:lnRef>
-            <a:fillRef idx="1">
-              <a:schemeClr val="lt1"/>
-            </a:fillRef>
-            <a:effectRef idx="0">
-              <a:schemeClr val="accent6"/>
-            </a:effectRef>
-            <a:fontRef idx="minor">
-              <a:schemeClr val="dk1"/>
-            </a:fontRef>
-          </p:style>
-          <p:txBody>
-            <a:bodyPr rtlCol="0" anchor="ctr"/>
-            <a:lstStyle/>
-            <a:p>
-              <a:pPr algn="ctr"/>
-              <a:endParaRPr lang="en-US"/>
-            </a:p>
-          </p:txBody>
-        </p:sp>
-        <p:cxnSp>
-          <p:nvCxnSpPr>
-            <p:cNvPr id="26" name="Connecteur droit 25"/>
-            <p:cNvCxnSpPr/>
-            <p:nvPr/>
-          </p:nvCxnSpPr>
-          <p:spPr>
-            <a:xfrm flipV="1">
-              <a:off x="7898404" y="4869160"/>
-              <a:ext cx="0" cy="453384"/>
-            </a:xfrm>
-            <a:prstGeom prst="line">
-              <a:avLst/>
-            </a:prstGeom>
-            <a:ln>
-              <a:solidFill>
-                <a:srgbClr val="0070C0"/>
-              </a:solidFill>
-            </a:ln>
-          </p:spPr>
-          <p:style>
-            <a:lnRef idx="1">
-              <a:schemeClr val="accent1"/>
-            </a:lnRef>
-            <a:fillRef idx="0">
-              <a:schemeClr val="accent1"/>
-            </a:fillRef>
-            <a:effectRef idx="0">
-              <a:schemeClr val="accent1"/>
-            </a:effectRef>
-            <a:fontRef idx="minor">
-              <a:schemeClr val="tx1"/>
-            </a:fontRef>
-          </p:style>
-        </p:cxnSp>
-        <p:cxnSp>
-          <p:nvCxnSpPr>
-            <p:cNvPr id="27" name="Connecteur droit 26"/>
-            <p:cNvCxnSpPr/>
-            <p:nvPr/>
-          </p:nvCxnSpPr>
-          <p:spPr>
-            <a:xfrm>
-              <a:off x="7898404" y="4869160"/>
-              <a:ext cx="828092" cy="0"/>
-            </a:xfrm>
-            <a:prstGeom prst="line">
-              <a:avLst/>
-            </a:prstGeom>
-            <a:ln>
-              <a:solidFill>
-                <a:srgbClr val="0070C0"/>
-              </a:solidFill>
-            </a:ln>
-          </p:spPr>
-          <p:style>
-            <a:lnRef idx="1">
-              <a:schemeClr val="accent1"/>
-            </a:lnRef>
-            <a:fillRef idx="0">
-              <a:schemeClr val="accent1"/>
-            </a:fillRef>
-            <a:effectRef idx="0">
-              <a:schemeClr val="accent1"/>
-            </a:effectRef>
-            <a:fontRef idx="minor">
-              <a:schemeClr val="tx1"/>
-            </a:fontRef>
-          </p:style>
-        </p:cxnSp>
-        <p:cxnSp>
-          <p:nvCxnSpPr>
-            <p:cNvPr id="28" name="Connecteur droit 27"/>
-            <p:cNvCxnSpPr>
-              <a:endCxn id="25" idx="0"/>
-            </p:cNvCxnSpPr>
-            <p:nvPr/>
-          </p:nvCxnSpPr>
-          <p:spPr>
-            <a:xfrm>
-              <a:off x="8726496" y="4869161"/>
-              <a:ext cx="0" cy="871860"/>
-            </a:xfrm>
-            <a:prstGeom prst="line">
-              <a:avLst/>
-            </a:prstGeom>
-            <a:ln>
-              <a:solidFill>
-                <a:srgbClr val="0070C0"/>
-              </a:solidFill>
-            </a:ln>
-          </p:spPr>
-          <p:style>
-            <a:lnRef idx="1">
-              <a:schemeClr val="accent1"/>
-            </a:lnRef>
-            <a:fillRef idx="0">
-              <a:schemeClr val="accent1"/>
-            </a:fillRef>
-            <a:effectRef idx="0">
-              <a:schemeClr val="accent1"/>
-            </a:effectRef>
-            <a:fontRef idx="minor">
-              <a:schemeClr val="tx1"/>
-            </a:fontRef>
-          </p:style>
-        </p:cxnSp>
-        <p:cxnSp>
-          <p:nvCxnSpPr>
-            <p:cNvPr id="29" name="Connecteur droit 28"/>
-            <p:cNvCxnSpPr>
-              <a:stCxn id="25" idx="4"/>
-            </p:cNvCxnSpPr>
-            <p:nvPr/>
-          </p:nvCxnSpPr>
-          <p:spPr>
-            <a:xfrm>
-              <a:off x="8726496" y="6147303"/>
-              <a:ext cx="0" cy="594065"/>
-            </a:xfrm>
-            <a:prstGeom prst="line">
-              <a:avLst/>
-            </a:prstGeom>
-            <a:ln>
-              <a:solidFill>
-                <a:srgbClr val="0070C0"/>
-              </a:solidFill>
-            </a:ln>
-          </p:spPr>
-          <p:style>
-            <a:lnRef idx="1">
-              <a:schemeClr val="accent1"/>
-            </a:lnRef>
-            <a:fillRef idx="0">
-              <a:schemeClr val="accent1"/>
-            </a:fillRef>
-            <a:effectRef idx="0">
-              <a:schemeClr val="accent1"/>
-            </a:effectRef>
-            <a:fontRef idx="minor">
-              <a:schemeClr val="tx1"/>
-            </a:fontRef>
-          </p:style>
-        </p:cxnSp>
-        <p:cxnSp>
-          <p:nvCxnSpPr>
-            <p:cNvPr id="30" name="Connecteur droit 29"/>
-            <p:cNvCxnSpPr/>
-            <p:nvPr/>
-          </p:nvCxnSpPr>
-          <p:spPr>
-            <a:xfrm>
-              <a:off x="7898404" y="6319192"/>
-              <a:ext cx="0" cy="422176"/>
-            </a:xfrm>
-            <a:prstGeom prst="line">
-              <a:avLst/>
-            </a:prstGeom>
-            <a:ln>
-              <a:solidFill>
-                <a:srgbClr val="0070C0"/>
-              </a:solidFill>
-            </a:ln>
-          </p:spPr>
-          <p:style>
-            <a:lnRef idx="1">
-              <a:schemeClr val="accent1"/>
-            </a:lnRef>
-            <a:fillRef idx="0">
-              <a:schemeClr val="accent1"/>
-            </a:fillRef>
-            <a:effectRef idx="0">
-              <a:schemeClr val="accent1"/>
-            </a:effectRef>
-            <a:fontRef idx="minor">
-              <a:schemeClr val="tx1"/>
-            </a:fontRef>
-          </p:style>
-        </p:cxnSp>
-        <p:cxnSp>
-          <p:nvCxnSpPr>
-            <p:cNvPr id="31" name="Connecteur droit 30"/>
-            <p:cNvCxnSpPr/>
-            <p:nvPr/>
-          </p:nvCxnSpPr>
-          <p:spPr>
-            <a:xfrm>
-              <a:off x="7898404" y="6741368"/>
-              <a:ext cx="828092" cy="0"/>
-            </a:xfrm>
-            <a:prstGeom prst="line">
-              <a:avLst/>
-            </a:prstGeom>
-            <a:ln>
-              <a:solidFill>
-                <a:srgbClr val="0070C0"/>
-              </a:solidFill>
-            </a:ln>
-          </p:spPr>
-          <p:style>
-            <a:lnRef idx="1">
-              <a:schemeClr val="accent1"/>
-            </a:lnRef>
-            <a:fillRef idx="0">
-              <a:schemeClr val="accent1"/>
-            </a:fillRef>
-            <a:effectRef idx="0">
-              <a:schemeClr val="accent1"/>
-            </a:effectRef>
-            <a:fontRef idx="minor">
-              <a:schemeClr val="tx1"/>
-            </a:fontRef>
-          </p:style>
-        </p:cxnSp>
-        <p:sp>
-          <p:nvSpPr>
-            <p:cNvPr id="32" name="Rectangle 31"/>
-            <p:cNvSpPr/>
-            <p:nvPr/>
-          </p:nvSpPr>
-          <p:spPr>
-            <a:xfrm>
-              <a:off x="8461184" y="5675405"/>
-              <a:ext cx="351449" cy="358879"/>
-            </a:xfrm>
-            <a:prstGeom prst="rect">
-              <a:avLst/>
-            </a:prstGeom>
-            <a:ln>
-              <a:noFill/>
-            </a:ln>
-          </p:spPr>
-          <p:txBody>
-            <a:bodyPr wrap="none">
-              <a:spAutoFit/>
-            </a:bodyPr>
-            <a:lstStyle/>
-            <a:p>
-              <a:r>
-                <a:rPr lang="en-US" sz="1600" dirty="0" smtClean="0"/>
-                <a:t>V</a:t>
-              </a:r>
-              <a:endParaRPr lang="en-US" sz="1600" dirty="0"/>
-            </a:p>
-          </p:txBody>
-        </p:sp>
-        <p:sp>
-          <p:nvSpPr>
-            <p:cNvPr id="33" name="Rectangle 32"/>
-            <p:cNvSpPr/>
-            <p:nvPr/>
-          </p:nvSpPr>
-          <p:spPr>
-            <a:xfrm>
-              <a:off x="4916047" y="5239453"/>
-              <a:ext cx="566111" cy="294924"/>
-            </a:xfrm>
-            <a:prstGeom prst="rect">
-              <a:avLst/>
-            </a:prstGeom>
-          </p:spPr>
-          <p:txBody>
-            <a:bodyPr wrap="none">
-              <a:spAutoFit/>
-            </a:bodyPr>
-            <a:lstStyle/>
-            <a:p>
-              <a:r>
-                <a:rPr lang="en-US" sz="1200" dirty="0" err="1" smtClean="0">
-                  <a:latin typeface="Times New Roman" panose="02020603050405020304" pitchFamily="18" charset="0"/>
-                  <a:cs typeface="Times New Roman" panose="02020603050405020304" pitchFamily="18" charset="0"/>
-                </a:rPr>
-                <a:t>CdTe</a:t>
-              </a:r>
-              <a:endParaRPr lang="en-US" sz="1200" dirty="0">
-                <a:latin typeface="Times New Roman" panose="02020603050405020304" pitchFamily="18" charset="0"/>
-                <a:cs typeface="Times New Roman" panose="02020603050405020304" pitchFamily="18" charset="0"/>
-              </a:endParaRPr>
-            </a:p>
-          </p:txBody>
-        </p:sp>
-      </p:grpSp>
-      <p:cxnSp>
-        <p:nvCxnSpPr>
-          <p:cNvPr id="3" name="Connecteur droit 2"/>
-          <p:cNvCxnSpPr>
-            <a:stCxn id="22" idx="2"/>
-            <a:endCxn id="16" idx="1"/>
-          </p:cNvCxnSpPr>
-          <p:nvPr/>
-        </p:nvCxnSpPr>
-        <p:spPr>
-          <a:xfrm>
-            <a:off x="7163057" y="3529211"/>
-            <a:ext cx="226393" cy="71317"/>
-          </a:xfrm>
-          <a:prstGeom prst="line">
-            <a:avLst/>
-          </a:prstGeom>
-          <a:ln>
-            <a:solidFill>
-              <a:schemeClr val="tx1"/>
-            </a:solidFill>
-          </a:ln>
-        </p:spPr>
-        <p:style>
-          <a:lnRef idx="1">
-            <a:schemeClr val="accent1"/>
-          </a:lnRef>
-          <a:fillRef idx="0">
-            <a:schemeClr val="accent1"/>
-          </a:fillRef>
-          <a:effectRef idx="0">
-            <a:schemeClr val="accent1"/>
-          </a:effectRef>
-          <a:fontRef idx="minor">
-            <a:schemeClr val="tx1"/>
-          </a:fontRef>
-        </p:style>
-      </p:cxnSp>
-      <p:sp>
-        <p:nvSpPr>
-          <p:cNvPr id="36" name="ZoneTexte 35"/>
-          <p:cNvSpPr txBox="1"/>
-          <p:nvPr/>
-        </p:nvSpPr>
-        <p:spPr>
-          <a:xfrm>
-            <a:off x="7003286" y="2844477"/>
-            <a:ext cx="377026" cy="369332"/>
-          </a:xfrm>
-          <a:prstGeom prst="rect">
-            <a:avLst/>
-          </a:prstGeom>
-          <a:noFill/>
-        </p:spPr>
-        <p:txBody>
-          <a:bodyPr wrap="none" rtlCol="0">
-            <a:spAutoFit/>
-          </a:bodyPr>
-          <a:lstStyle/>
-          <a:p>
-            <a:r>
-              <a:rPr lang="fr-FR" dirty="0">
-                <a:latin typeface="Times New Roman" pitchFamily="18" charset="0"/>
-                <a:cs typeface="Times New Roman" pitchFamily="18" charset="0"/>
               </a:rPr>
-              <a:t>d</a:t>
-            </a:r>
-            <a:r>
-              <a:rPr lang="fr-FR" dirty="0" smtClean="0">
-                <a:latin typeface="Times New Roman" pitchFamily="18" charset="0"/>
-                <a:cs typeface="Times New Roman" pitchFamily="18" charset="0"/>
-              </a:rPr>
-              <a:t>)</a:t>
-            </a:r>
-            <a:endParaRPr lang="fr-FR" dirty="0">
-              <a:latin typeface="Times New Roman" pitchFamily="18" charset="0"/>
-              <a:cs typeface="Times New Roman" pitchFamily="18" charset="0"/>
+              <a:t>(b)</a:t>
+            </a:r>
+            <a:endParaRPr lang="fr-FR" sz="2400" dirty="0">
+              <a:latin typeface="Times New Roman" panose="02020603050405020304" pitchFamily="18" charset="0"/>
+              <a:cs typeface="Times New Roman" panose="02020603050405020304" pitchFamily="18" charset="0"/>
             </a:endParaRPr>
           </a:p>
         </p:txBody>

--- a/02-GrowthQDs/Pictures/MapEfield.pptx
+++ b/02-GrowthQDs/Pictures/MapEfield.pptx
@@ -288,7 +288,7 @@
           <a:p>
             <a:fld id="{3188249C-4BA3-4338-8D91-035235D4C769}" type="datetimeFigureOut">
               <a:rPr lang="fr-FR" smtClean="0"/>
-              <a:t>13/09/2017</a:t>
+              <a:t>22/09/2017</a:t>
             </a:fld>
             <a:endParaRPr lang="fr-FR"/>
           </a:p>
@@ -458,7 +458,7 @@
           <a:p>
             <a:fld id="{3188249C-4BA3-4338-8D91-035235D4C769}" type="datetimeFigureOut">
               <a:rPr lang="fr-FR" smtClean="0"/>
-              <a:t>13/09/2017</a:t>
+              <a:t>22/09/2017</a:t>
             </a:fld>
             <a:endParaRPr lang="fr-FR"/>
           </a:p>
@@ -638,7 +638,7 @@
           <a:p>
             <a:fld id="{3188249C-4BA3-4338-8D91-035235D4C769}" type="datetimeFigureOut">
               <a:rPr lang="fr-FR" smtClean="0"/>
-              <a:t>13/09/2017</a:t>
+              <a:t>22/09/2017</a:t>
             </a:fld>
             <a:endParaRPr lang="fr-FR"/>
           </a:p>
@@ -808,7 +808,7 @@
           <a:p>
             <a:fld id="{3188249C-4BA3-4338-8D91-035235D4C769}" type="datetimeFigureOut">
               <a:rPr lang="fr-FR" smtClean="0"/>
-              <a:t>13/09/2017</a:t>
+              <a:t>22/09/2017</a:t>
             </a:fld>
             <a:endParaRPr lang="fr-FR"/>
           </a:p>
@@ -1054,7 +1054,7 @@
           <a:p>
             <a:fld id="{3188249C-4BA3-4338-8D91-035235D4C769}" type="datetimeFigureOut">
               <a:rPr lang="fr-FR" smtClean="0"/>
-              <a:t>13/09/2017</a:t>
+              <a:t>22/09/2017</a:t>
             </a:fld>
             <a:endParaRPr lang="fr-FR"/>
           </a:p>
@@ -1342,7 +1342,7 @@
           <a:p>
             <a:fld id="{3188249C-4BA3-4338-8D91-035235D4C769}" type="datetimeFigureOut">
               <a:rPr lang="fr-FR" smtClean="0"/>
-              <a:t>13/09/2017</a:t>
+              <a:t>22/09/2017</a:t>
             </a:fld>
             <a:endParaRPr lang="fr-FR"/>
           </a:p>
@@ -1764,7 +1764,7 @@
           <a:p>
             <a:fld id="{3188249C-4BA3-4338-8D91-035235D4C769}" type="datetimeFigureOut">
               <a:rPr lang="fr-FR" smtClean="0"/>
-              <a:t>13/09/2017</a:t>
+              <a:t>22/09/2017</a:t>
             </a:fld>
             <a:endParaRPr lang="fr-FR"/>
           </a:p>
@@ -1882,7 +1882,7 @@
           <a:p>
             <a:fld id="{3188249C-4BA3-4338-8D91-035235D4C769}" type="datetimeFigureOut">
               <a:rPr lang="fr-FR" smtClean="0"/>
-              <a:t>13/09/2017</a:t>
+              <a:t>22/09/2017</a:t>
             </a:fld>
             <a:endParaRPr lang="fr-FR"/>
           </a:p>
@@ -1977,7 +1977,7 @@
           <a:p>
             <a:fld id="{3188249C-4BA3-4338-8D91-035235D4C769}" type="datetimeFigureOut">
               <a:rPr lang="fr-FR" smtClean="0"/>
-              <a:t>13/09/2017</a:t>
+              <a:t>22/09/2017</a:t>
             </a:fld>
             <a:endParaRPr lang="fr-FR"/>
           </a:p>
@@ -2254,7 +2254,7 @@
           <a:p>
             <a:fld id="{3188249C-4BA3-4338-8D91-035235D4C769}" type="datetimeFigureOut">
               <a:rPr lang="fr-FR" smtClean="0"/>
-              <a:t>13/09/2017</a:t>
+              <a:t>22/09/2017</a:t>
             </a:fld>
             <a:endParaRPr lang="fr-FR"/>
           </a:p>
@@ -2507,7 +2507,7 @@
           <a:p>
             <a:fld id="{3188249C-4BA3-4338-8D91-035235D4C769}" type="datetimeFigureOut">
               <a:rPr lang="fr-FR" smtClean="0"/>
-              <a:t>13/09/2017</a:t>
+              <a:t>22/09/2017</a:t>
             </a:fld>
             <a:endParaRPr lang="fr-FR"/>
           </a:p>
@@ -2720,7 +2720,7 @@
           <a:p>
             <a:fld id="{3188249C-4BA3-4338-8D91-035235D4C769}" type="datetimeFigureOut">
               <a:rPr lang="fr-FR" smtClean="0"/>
-              <a:t>13/09/2017</a:t>
+              <a:t>22/09/2017</a:t>
             </a:fld>
             <a:endParaRPr lang="fr-FR"/>
           </a:p>
@@ -3359,6 +3359,78 @@
           </a:p>
         </p:txBody>
       </p:sp>
+      <p:sp>
+        <p:nvSpPr>
+          <p:cNvPr id="8" name="ZoneTexte 7"/>
+          <p:cNvSpPr txBox="1"/>
+          <p:nvPr/>
+        </p:nvSpPr>
+        <p:spPr>
+          <a:xfrm>
+            <a:off x="-36512" y="6073303"/>
+            <a:ext cx="526106" cy="461665"/>
+          </a:xfrm>
+          <a:prstGeom prst="rect">
+            <a:avLst/>
+          </a:prstGeom>
+          <a:noFill/>
+        </p:spPr>
+        <p:txBody>
+          <a:bodyPr wrap="none" rtlCol="0">
+            <a:spAutoFit/>
+          </a:bodyPr>
+          <a:lstStyle/>
+          <a:p>
+            <a:r>
+              <a:rPr lang="fr-FR" sz="2400" dirty="0" smtClean="0">
+                <a:latin typeface="Times New Roman" panose="02020603050405020304" pitchFamily="18" charset="0"/>
+                <a:cs typeface="Times New Roman" panose="02020603050405020304" pitchFamily="18" charset="0"/>
+              </a:rPr>
+              <a:t>(c)</a:t>
+            </a:r>
+            <a:endParaRPr lang="fr-FR" sz="2400" dirty="0">
+              <a:latin typeface="Times New Roman" panose="02020603050405020304" pitchFamily="18" charset="0"/>
+              <a:cs typeface="Times New Roman" panose="02020603050405020304" pitchFamily="18" charset="0"/>
+            </a:endParaRPr>
+          </a:p>
+        </p:txBody>
+      </p:sp>
+      <p:sp>
+        <p:nvSpPr>
+          <p:cNvPr id="9" name="ZoneTexte 8"/>
+          <p:cNvSpPr txBox="1"/>
+          <p:nvPr/>
+        </p:nvSpPr>
+        <p:spPr>
+          <a:xfrm>
+            <a:off x="-36512" y="8737599"/>
+            <a:ext cx="543739" cy="461665"/>
+          </a:xfrm>
+          <a:prstGeom prst="rect">
+            <a:avLst/>
+          </a:prstGeom>
+          <a:noFill/>
+        </p:spPr>
+        <p:txBody>
+          <a:bodyPr wrap="none" rtlCol="0">
+            <a:spAutoFit/>
+          </a:bodyPr>
+          <a:lstStyle/>
+          <a:p>
+            <a:r>
+              <a:rPr lang="fr-FR" sz="2400" dirty="0" smtClean="0">
+                <a:latin typeface="Times New Roman" panose="02020603050405020304" pitchFamily="18" charset="0"/>
+                <a:cs typeface="Times New Roman" panose="02020603050405020304" pitchFamily="18" charset="0"/>
+              </a:rPr>
+              <a:t>(d)</a:t>
+            </a:r>
+            <a:endParaRPr lang="fr-FR" sz="2400" dirty="0">
+              <a:latin typeface="Times New Roman" panose="02020603050405020304" pitchFamily="18" charset="0"/>
+              <a:cs typeface="Times New Roman" panose="02020603050405020304" pitchFamily="18" charset="0"/>
+            </a:endParaRPr>
+          </a:p>
+        </p:txBody>
+      </p:sp>
     </p:spTree>
     <p:extLst>
       <p:ext uri="{BB962C8B-B14F-4D97-AF65-F5344CB8AC3E}">

--- a/02-GrowthQDs/Pictures/MapEfield.pptx
+++ b/02-GrowthQDs/Pictures/MapEfield.pptx
@@ -288,7 +288,7 @@
           <a:p>
             <a:fld id="{3188249C-4BA3-4338-8D91-035235D4C769}" type="datetimeFigureOut">
               <a:rPr lang="fr-FR" smtClean="0"/>
-              <a:t>22/09/2017</a:t>
+              <a:t>12/10/2017</a:t>
             </a:fld>
             <a:endParaRPr lang="fr-FR"/>
           </a:p>
@@ -458,7 +458,7 @@
           <a:p>
             <a:fld id="{3188249C-4BA3-4338-8D91-035235D4C769}" type="datetimeFigureOut">
               <a:rPr lang="fr-FR" smtClean="0"/>
-              <a:t>22/09/2017</a:t>
+              <a:t>12/10/2017</a:t>
             </a:fld>
             <a:endParaRPr lang="fr-FR"/>
           </a:p>
@@ -638,7 +638,7 @@
           <a:p>
             <a:fld id="{3188249C-4BA3-4338-8D91-035235D4C769}" type="datetimeFigureOut">
               <a:rPr lang="fr-FR" smtClean="0"/>
-              <a:t>22/09/2017</a:t>
+              <a:t>12/10/2017</a:t>
             </a:fld>
             <a:endParaRPr lang="fr-FR"/>
           </a:p>
@@ -808,7 +808,7 @@
           <a:p>
             <a:fld id="{3188249C-4BA3-4338-8D91-035235D4C769}" type="datetimeFigureOut">
               <a:rPr lang="fr-FR" smtClean="0"/>
-              <a:t>22/09/2017</a:t>
+              <a:t>12/10/2017</a:t>
             </a:fld>
             <a:endParaRPr lang="fr-FR"/>
           </a:p>
@@ -1054,7 +1054,7 @@
           <a:p>
             <a:fld id="{3188249C-4BA3-4338-8D91-035235D4C769}" type="datetimeFigureOut">
               <a:rPr lang="fr-FR" smtClean="0"/>
-              <a:t>22/09/2017</a:t>
+              <a:t>12/10/2017</a:t>
             </a:fld>
             <a:endParaRPr lang="fr-FR"/>
           </a:p>
@@ -1342,7 +1342,7 @@
           <a:p>
             <a:fld id="{3188249C-4BA3-4338-8D91-035235D4C769}" type="datetimeFigureOut">
               <a:rPr lang="fr-FR" smtClean="0"/>
-              <a:t>22/09/2017</a:t>
+              <a:t>12/10/2017</a:t>
             </a:fld>
             <a:endParaRPr lang="fr-FR"/>
           </a:p>
@@ -1764,7 +1764,7 @@
           <a:p>
             <a:fld id="{3188249C-4BA3-4338-8D91-035235D4C769}" type="datetimeFigureOut">
               <a:rPr lang="fr-FR" smtClean="0"/>
-              <a:t>22/09/2017</a:t>
+              <a:t>12/10/2017</a:t>
             </a:fld>
             <a:endParaRPr lang="fr-FR"/>
           </a:p>
@@ -1882,7 +1882,7 @@
           <a:p>
             <a:fld id="{3188249C-4BA3-4338-8D91-035235D4C769}" type="datetimeFigureOut">
               <a:rPr lang="fr-FR" smtClean="0"/>
-              <a:t>22/09/2017</a:t>
+              <a:t>12/10/2017</a:t>
             </a:fld>
             <a:endParaRPr lang="fr-FR"/>
           </a:p>
@@ -1977,7 +1977,7 @@
           <a:p>
             <a:fld id="{3188249C-4BA3-4338-8D91-035235D4C769}" type="datetimeFigureOut">
               <a:rPr lang="fr-FR" smtClean="0"/>
-              <a:t>22/09/2017</a:t>
+              <a:t>12/10/2017</a:t>
             </a:fld>
             <a:endParaRPr lang="fr-FR"/>
           </a:p>
@@ -2254,7 +2254,7 @@
           <a:p>
             <a:fld id="{3188249C-4BA3-4338-8D91-035235D4C769}" type="datetimeFigureOut">
               <a:rPr lang="fr-FR" smtClean="0"/>
-              <a:t>22/09/2017</a:t>
+              <a:t>12/10/2017</a:t>
             </a:fld>
             <a:endParaRPr lang="fr-FR"/>
           </a:p>
@@ -2507,7 +2507,7 @@
           <a:p>
             <a:fld id="{3188249C-4BA3-4338-8D91-035235D4C769}" type="datetimeFigureOut">
               <a:rPr lang="fr-FR" smtClean="0"/>
-              <a:t>22/09/2017</a:t>
+              <a:t>12/10/2017</a:t>
             </a:fld>
             <a:endParaRPr lang="fr-FR"/>
           </a:p>
@@ -2720,7 +2720,7 @@
           <a:p>
             <a:fld id="{3188249C-4BA3-4338-8D91-035235D4C769}" type="datetimeFigureOut">
               <a:rPr lang="fr-FR" smtClean="0"/>
-              <a:t>22/09/2017</a:t>
+              <a:t>12/10/2017</a:t>
             </a:fld>
             <a:endParaRPr lang="fr-FR"/>
           </a:p>
@@ -3431,6 +3431,44 @@
           </a:p>
         </p:txBody>
       </p:sp>
+      <p:sp>
+        <p:nvSpPr>
+          <p:cNvPr id="2" name="ZoneTexte 1"/>
+          <p:cNvSpPr txBox="1"/>
+          <p:nvPr/>
+        </p:nvSpPr>
+        <p:spPr>
+          <a:xfrm rot="10800000">
+            <a:off x="-19963" y="1062360"/>
+            <a:ext cx="415498" cy="544123"/>
+          </a:xfrm>
+          <a:prstGeom prst="rect">
+            <a:avLst/>
+          </a:prstGeom>
+          <a:solidFill>
+            <a:schemeClr val="bg1"/>
+          </a:solidFill>
+        </p:spPr>
+        <p:txBody>
+          <a:bodyPr vert="eaVert" wrap="none" rtlCol="0">
+            <a:spAutoFit/>
+          </a:bodyPr>
+          <a:lstStyle/>
+          <a:p>
+            <a:r>
+              <a:rPr lang="fr-FR" sz="1500" b="1" dirty="0" smtClean="0">
+                <a:latin typeface="Times New Roman" panose="02020603050405020304" pitchFamily="18" charset="0"/>
+                <a:cs typeface="Times New Roman" panose="02020603050405020304" pitchFamily="18" charset="0"/>
+              </a:rPr>
+              <a:t>V (V)</a:t>
+            </a:r>
+            <a:endParaRPr lang="fr-FR" sz="1500" b="1" dirty="0">
+              <a:latin typeface="Times New Roman" panose="02020603050405020304" pitchFamily="18" charset="0"/>
+              <a:cs typeface="Times New Roman" panose="02020603050405020304" pitchFamily="18" charset="0"/>
+            </a:endParaRPr>
+          </a:p>
+        </p:txBody>
+      </p:sp>
     </p:spTree>
     <p:extLst>
       <p:ext uri="{BB962C8B-B14F-4D97-AF65-F5344CB8AC3E}">
